--- a/Pikatchu_Cybercrime.pptx
+++ b/Pikatchu_Cybercrime.pptx
@@ -105,6 +105,11 @@
       </a:defRPr>
     </a:lvl9pPr>
   </p:defaultTextStyle>
+  <p:extLst>
+    <p:ext uri="{EFAFB233-063F-42B5-8137-9DF3F51BA10A}">
+      <p15:sldGuideLst xmlns:p15="http://schemas.microsoft.com/office/powerpoint/2012/main"/>
+    </p:ext>
+  </p:extLst>
 </p:presentation>
 </file>
 

--- a/Pikatchu_Cybercrime.pptx
+++ b/Pikatchu_Cybercrime.pptx
@@ -4,9 +4,28 @@
   <p:sldMasterIdLst>
     <p:sldMasterId id="2147483648" r:id="rId1"/>
   </p:sldMasterIdLst>
+  <p:notesMasterIdLst>
+    <p:notesMasterId r:id="rId20"/>
+  </p:notesMasterIdLst>
   <p:sldIdLst>
     <p:sldId id="257" r:id="rId2"/>
-    <p:sldId id="256" r:id="rId3"/>
+    <p:sldId id="259" r:id="rId3"/>
+    <p:sldId id="260" r:id="rId4"/>
+    <p:sldId id="261" r:id="rId5"/>
+    <p:sldId id="262" r:id="rId6"/>
+    <p:sldId id="263" r:id="rId7"/>
+    <p:sldId id="265" r:id="rId8"/>
+    <p:sldId id="266" r:id="rId9"/>
+    <p:sldId id="264" r:id="rId10"/>
+    <p:sldId id="267" r:id="rId11"/>
+    <p:sldId id="268" r:id="rId12"/>
+    <p:sldId id="269" r:id="rId13"/>
+    <p:sldId id="270" r:id="rId14"/>
+    <p:sldId id="271" r:id="rId15"/>
+    <p:sldId id="272" r:id="rId16"/>
+    <p:sldId id="273" r:id="rId17"/>
+    <p:sldId id="256" r:id="rId18"/>
+    <p:sldId id="258" r:id="rId19"/>
   </p:sldIdLst>
   <p:sldSz cx="12192000" cy="6858000"/>
   <p:notesSz cx="6858000" cy="9144000"/>
@@ -113,6 +132,1125 @@
 </p:presentation>
 </file>
 
+<file path=ppt/notesMasters/notesMaster1.xml><?xml version="1.0" encoding="utf-8"?>
+<p:notesMaster xmlns:a="http://schemas.openxmlformats.org/drawingml/2006/main" xmlns:r="http://schemas.openxmlformats.org/officeDocument/2006/relationships" xmlns:p="http://schemas.openxmlformats.org/presentationml/2006/main">
+  <p:cSld>
+    <p:bg>
+      <p:bgRef idx="1001">
+        <a:schemeClr val="bg1"/>
+      </p:bgRef>
+    </p:bg>
+    <p:spTree>
+      <p:nvGrpSpPr>
+        <p:cNvPr id="1" name=""/>
+        <p:cNvGrpSpPr/>
+        <p:nvPr/>
+      </p:nvGrpSpPr>
+      <p:grpSpPr>
+        <a:xfrm>
+          <a:off x="0" y="0"/>
+          <a:ext cx="0" cy="0"/>
+          <a:chOff x="0" y="0"/>
+          <a:chExt cx="0" cy="0"/>
+        </a:xfrm>
+      </p:grpSpPr>
+      <p:sp>
+        <p:nvSpPr>
+          <p:cNvPr id="2" name="Kopfzeilenplatzhalter 1"/>
+          <p:cNvSpPr>
+            <a:spLocks noGrp="1"/>
+          </p:cNvSpPr>
+          <p:nvPr>
+            <p:ph type="hdr" sz="quarter"/>
+          </p:nvPr>
+        </p:nvSpPr>
+        <p:spPr>
+          <a:xfrm>
+            <a:off x="0" y="0"/>
+            <a:ext cx="2971800" cy="458788"/>
+          </a:xfrm>
+          <a:prstGeom prst="rect">
+            <a:avLst/>
+          </a:prstGeom>
+        </p:spPr>
+        <p:txBody>
+          <a:bodyPr vert="horz" lIns="91440" tIns="45720" rIns="91440" bIns="45720" rtlCol="0"/>
+          <a:lstStyle>
+            <a:lvl1pPr algn="l">
+              <a:defRPr sz="1200"/>
+            </a:lvl1pPr>
+          </a:lstStyle>
+          <a:p>
+            <a:endParaRPr lang="en-AU"/>
+          </a:p>
+        </p:txBody>
+      </p:sp>
+      <p:sp>
+        <p:nvSpPr>
+          <p:cNvPr id="3" name="Datumsplatzhalter 2"/>
+          <p:cNvSpPr>
+            <a:spLocks noGrp="1"/>
+          </p:cNvSpPr>
+          <p:nvPr>
+            <p:ph type="dt" idx="1"/>
+          </p:nvPr>
+        </p:nvSpPr>
+        <p:spPr>
+          <a:xfrm>
+            <a:off x="3884613" y="0"/>
+            <a:ext cx="2971800" cy="458788"/>
+          </a:xfrm>
+          <a:prstGeom prst="rect">
+            <a:avLst/>
+          </a:prstGeom>
+        </p:spPr>
+        <p:txBody>
+          <a:bodyPr vert="horz" lIns="91440" tIns="45720" rIns="91440" bIns="45720" rtlCol="0"/>
+          <a:lstStyle>
+            <a:lvl1pPr algn="r">
+              <a:defRPr sz="1200"/>
+            </a:lvl1pPr>
+          </a:lstStyle>
+          <a:p>
+            <a:fld id="{CF3DB30F-31D2-2440-AA69-24B2BA5EEFCC}" type="datetimeFigureOut">
+              <a:rPr lang="en-AU" smtClean="0"/>
+              <a:t>21/12/21</a:t>
+            </a:fld>
+            <a:endParaRPr lang="en-AU"/>
+          </a:p>
+        </p:txBody>
+      </p:sp>
+      <p:sp>
+        <p:nvSpPr>
+          <p:cNvPr id="4" name="Folienbildplatzhalter 3"/>
+          <p:cNvSpPr>
+            <a:spLocks noGrp="1" noRot="1" noChangeAspect="1"/>
+          </p:cNvSpPr>
+          <p:nvPr>
+            <p:ph type="sldImg" idx="2"/>
+          </p:nvPr>
+        </p:nvSpPr>
+        <p:spPr>
+          <a:xfrm>
+            <a:off x="685800" y="1143000"/>
+            <a:ext cx="5486400" cy="3086100"/>
+          </a:xfrm>
+          <a:prstGeom prst="rect">
+            <a:avLst/>
+          </a:prstGeom>
+          <a:noFill/>
+          <a:ln w="12700">
+            <a:solidFill>
+              <a:prstClr val="black"/>
+            </a:solidFill>
+          </a:ln>
+        </p:spPr>
+        <p:txBody>
+          <a:bodyPr vert="horz" lIns="91440" tIns="45720" rIns="91440" bIns="45720" rtlCol="0" anchor="ctr"/>
+          <a:lstStyle/>
+          <a:p>
+            <a:endParaRPr lang="en-AU"/>
+          </a:p>
+        </p:txBody>
+      </p:sp>
+      <p:sp>
+        <p:nvSpPr>
+          <p:cNvPr id="5" name="Notizenplatzhalter 4"/>
+          <p:cNvSpPr>
+            <a:spLocks noGrp="1"/>
+          </p:cNvSpPr>
+          <p:nvPr>
+            <p:ph type="body" sz="quarter" idx="3"/>
+          </p:nvPr>
+        </p:nvSpPr>
+        <p:spPr>
+          <a:xfrm>
+            <a:off x="685800" y="4400550"/>
+            <a:ext cx="5486400" cy="3600450"/>
+          </a:xfrm>
+          <a:prstGeom prst="rect">
+            <a:avLst/>
+          </a:prstGeom>
+        </p:spPr>
+        <p:txBody>
+          <a:bodyPr vert="horz" lIns="91440" tIns="45720" rIns="91440" bIns="45720" rtlCol="0"/>
+          <a:lstStyle/>
+          <a:p>
+            <a:pPr lvl="0"/>
+            <a:r>
+              <a:rPr lang="de-DE"/>
+              <a:t>Mastertextformat bearbeiten</a:t>
+            </a:r>
+          </a:p>
+          <a:p>
+            <a:pPr lvl="1"/>
+            <a:r>
+              <a:rPr lang="de-DE"/>
+              <a:t>Zweite Ebene</a:t>
+            </a:r>
+          </a:p>
+          <a:p>
+            <a:pPr lvl="2"/>
+            <a:r>
+              <a:rPr lang="de-DE"/>
+              <a:t>Dritte Ebene</a:t>
+            </a:r>
+          </a:p>
+          <a:p>
+            <a:pPr lvl="3"/>
+            <a:r>
+              <a:rPr lang="de-DE"/>
+              <a:t>Vierte Ebene</a:t>
+            </a:r>
+          </a:p>
+          <a:p>
+            <a:pPr lvl="4"/>
+            <a:r>
+              <a:rPr lang="de-DE"/>
+              <a:t>Fünfte Ebene</a:t>
+            </a:r>
+            <a:endParaRPr lang="en-AU"/>
+          </a:p>
+        </p:txBody>
+      </p:sp>
+      <p:sp>
+        <p:nvSpPr>
+          <p:cNvPr id="6" name="Fußzeilenplatzhalter 5"/>
+          <p:cNvSpPr>
+            <a:spLocks noGrp="1"/>
+          </p:cNvSpPr>
+          <p:nvPr>
+            <p:ph type="ftr" sz="quarter" idx="4"/>
+          </p:nvPr>
+        </p:nvSpPr>
+        <p:spPr>
+          <a:xfrm>
+            <a:off x="0" y="8685213"/>
+            <a:ext cx="2971800" cy="458787"/>
+          </a:xfrm>
+          <a:prstGeom prst="rect">
+            <a:avLst/>
+          </a:prstGeom>
+        </p:spPr>
+        <p:txBody>
+          <a:bodyPr vert="horz" lIns="91440" tIns="45720" rIns="91440" bIns="45720" rtlCol="0" anchor="b"/>
+          <a:lstStyle>
+            <a:lvl1pPr algn="l">
+              <a:defRPr sz="1200"/>
+            </a:lvl1pPr>
+          </a:lstStyle>
+          <a:p>
+            <a:endParaRPr lang="en-AU"/>
+          </a:p>
+        </p:txBody>
+      </p:sp>
+      <p:sp>
+        <p:nvSpPr>
+          <p:cNvPr id="7" name="Foliennummernplatzhalter 6"/>
+          <p:cNvSpPr>
+            <a:spLocks noGrp="1"/>
+          </p:cNvSpPr>
+          <p:nvPr>
+            <p:ph type="sldNum" sz="quarter" idx="5"/>
+          </p:nvPr>
+        </p:nvSpPr>
+        <p:spPr>
+          <a:xfrm>
+            <a:off x="3884613" y="8685213"/>
+            <a:ext cx="2971800" cy="458787"/>
+          </a:xfrm>
+          <a:prstGeom prst="rect">
+            <a:avLst/>
+          </a:prstGeom>
+        </p:spPr>
+        <p:txBody>
+          <a:bodyPr vert="horz" lIns="91440" tIns="45720" rIns="91440" bIns="45720" rtlCol="0" anchor="b"/>
+          <a:lstStyle>
+            <a:lvl1pPr algn="r">
+              <a:defRPr sz="1200"/>
+            </a:lvl1pPr>
+          </a:lstStyle>
+          <a:p>
+            <a:fld id="{1C9FAC6C-8BE2-C347-AC61-57F0A687A327}" type="slidenum">
+              <a:rPr lang="en-AU" smtClean="0"/>
+              <a:t>‹Nr.›</a:t>
+            </a:fld>
+            <a:endParaRPr lang="en-AU"/>
+          </a:p>
+        </p:txBody>
+      </p:sp>
+    </p:spTree>
+    <p:extLst>
+      <p:ext uri="{BB962C8B-B14F-4D97-AF65-F5344CB8AC3E}">
+        <p14:creationId xmlns:p14="http://schemas.microsoft.com/office/powerpoint/2010/main" val="3656746395"/>
+      </p:ext>
+    </p:extLst>
+  </p:cSld>
+  <p:clrMap bg1="lt1" tx1="dk1" bg2="lt2" tx2="dk2" accent1="accent1" accent2="accent2" accent3="accent3" accent4="accent4" accent5="accent5" accent6="accent6" hlink="hlink" folHlink="folHlink"/>
+  <p:notesStyle>
+    <a:lvl1pPr marL="0" algn="l" defTabSz="914400" rtl="0" eaLnBrk="1" latinLnBrk="0" hangingPunct="1">
+      <a:defRPr sz="1200" kern="1200">
+        <a:solidFill>
+          <a:schemeClr val="tx1"/>
+        </a:solidFill>
+        <a:latin typeface="+mn-lt"/>
+        <a:ea typeface="+mn-ea"/>
+        <a:cs typeface="+mn-cs"/>
+      </a:defRPr>
+    </a:lvl1pPr>
+    <a:lvl2pPr marL="457200" algn="l" defTabSz="914400" rtl="0" eaLnBrk="1" latinLnBrk="0" hangingPunct="1">
+      <a:defRPr sz="1200" kern="1200">
+        <a:solidFill>
+          <a:schemeClr val="tx1"/>
+        </a:solidFill>
+        <a:latin typeface="+mn-lt"/>
+        <a:ea typeface="+mn-ea"/>
+        <a:cs typeface="+mn-cs"/>
+      </a:defRPr>
+    </a:lvl2pPr>
+    <a:lvl3pPr marL="914400" algn="l" defTabSz="914400" rtl="0" eaLnBrk="1" latinLnBrk="0" hangingPunct="1">
+      <a:defRPr sz="1200" kern="1200">
+        <a:solidFill>
+          <a:schemeClr val="tx1"/>
+        </a:solidFill>
+        <a:latin typeface="+mn-lt"/>
+        <a:ea typeface="+mn-ea"/>
+        <a:cs typeface="+mn-cs"/>
+      </a:defRPr>
+    </a:lvl3pPr>
+    <a:lvl4pPr marL="1371600" algn="l" defTabSz="914400" rtl="0" eaLnBrk="1" latinLnBrk="0" hangingPunct="1">
+      <a:defRPr sz="1200" kern="1200">
+        <a:solidFill>
+          <a:schemeClr val="tx1"/>
+        </a:solidFill>
+        <a:latin typeface="+mn-lt"/>
+        <a:ea typeface="+mn-ea"/>
+        <a:cs typeface="+mn-cs"/>
+      </a:defRPr>
+    </a:lvl4pPr>
+    <a:lvl5pPr marL="1828800" algn="l" defTabSz="914400" rtl="0" eaLnBrk="1" latinLnBrk="0" hangingPunct="1">
+      <a:defRPr sz="1200" kern="1200">
+        <a:solidFill>
+          <a:schemeClr val="tx1"/>
+        </a:solidFill>
+        <a:latin typeface="+mn-lt"/>
+        <a:ea typeface="+mn-ea"/>
+        <a:cs typeface="+mn-cs"/>
+      </a:defRPr>
+    </a:lvl5pPr>
+    <a:lvl6pPr marL="2286000" algn="l" defTabSz="914400" rtl="0" eaLnBrk="1" latinLnBrk="0" hangingPunct="1">
+      <a:defRPr sz="1200" kern="1200">
+        <a:solidFill>
+          <a:schemeClr val="tx1"/>
+        </a:solidFill>
+        <a:latin typeface="+mn-lt"/>
+        <a:ea typeface="+mn-ea"/>
+        <a:cs typeface="+mn-cs"/>
+      </a:defRPr>
+    </a:lvl6pPr>
+    <a:lvl7pPr marL="2743200" algn="l" defTabSz="914400" rtl="0" eaLnBrk="1" latinLnBrk="0" hangingPunct="1">
+      <a:defRPr sz="1200" kern="1200">
+        <a:solidFill>
+          <a:schemeClr val="tx1"/>
+        </a:solidFill>
+        <a:latin typeface="+mn-lt"/>
+        <a:ea typeface="+mn-ea"/>
+        <a:cs typeface="+mn-cs"/>
+      </a:defRPr>
+    </a:lvl7pPr>
+    <a:lvl8pPr marL="3200400" algn="l" defTabSz="914400" rtl="0" eaLnBrk="1" latinLnBrk="0" hangingPunct="1">
+      <a:defRPr sz="1200" kern="1200">
+        <a:solidFill>
+          <a:schemeClr val="tx1"/>
+        </a:solidFill>
+        <a:latin typeface="+mn-lt"/>
+        <a:ea typeface="+mn-ea"/>
+        <a:cs typeface="+mn-cs"/>
+      </a:defRPr>
+    </a:lvl8pPr>
+    <a:lvl9pPr marL="3657600" algn="l" defTabSz="914400" rtl="0" eaLnBrk="1" latinLnBrk="0" hangingPunct="1">
+      <a:defRPr sz="1200" kern="1200">
+        <a:solidFill>
+          <a:schemeClr val="tx1"/>
+        </a:solidFill>
+        <a:latin typeface="+mn-lt"/>
+        <a:ea typeface="+mn-ea"/>
+        <a:cs typeface="+mn-cs"/>
+      </a:defRPr>
+    </a:lvl9pPr>
+  </p:notesStyle>
+</p:notesMaster>
+</file>
+
+<file path=ppt/notesSlides/notesSlide1.xml><?xml version="1.0" encoding="utf-8"?>
+<p:notes xmlns:a="http://schemas.openxmlformats.org/drawingml/2006/main" xmlns:r="http://schemas.openxmlformats.org/officeDocument/2006/relationships" xmlns:p="http://schemas.openxmlformats.org/presentationml/2006/main">
+  <p:cSld>
+    <p:spTree>
+      <p:nvGrpSpPr>
+        <p:cNvPr id="1" name=""/>
+        <p:cNvGrpSpPr/>
+        <p:nvPr/>
+      </p:nvGrpSpPr>
+      <p:grpSpPr>
+        <a:xfrm>
+          <a:off x="0" y="0"/>
+          <a:ext cx="0" cy="0"/>
+          <a:chOff x="0" y="0"/>
+          <a:chExt cx="0" cy="0"/>
+        </a:xfrm>
+      </p:grpSpPr>
+      <p:sp>
+        <p:nvSpPr>
+          <p:cNvPr id="2" name="Folienbildplatzhalter 1"/>
+          <p:cNvSpPr>
+            <a:spLocks noGrp="1" noRot="1" noChangeAspect="1"/>
+          </p:cNvSpPr>
+          <p:nvPr>
+            <p:ph type="sldImg"/>
+          </p:nvPr>
+        </p:nvSpPr>
+        <p:spPr/>
+      </p:sp>
+      <p:sp>
+        <p:nvSpPr>
+          <p:cNvPr id="3" name="Notizenplatzhalter 2"/>
+          <p:cNvSpPr>
+            <a:spLocks noGrp="1"/>
+          </p:cNvSpPr>
+          <p:nvPr>
+            <p:ph type="body" idx="1"/>
+          </p:nvPr>
+        </p:nvSpPr>
+        <p:spPr/>
+        <p:txBody>
+          <a:bodyPr/>
+          <a:lstStyle/>
+          <a:p>
+            <a:r>
+              <a:rPr lang="en-AU" dirty="0"/>
+              <a:t>BSP CC Schweiz  </a:t>
+            </a:r>
+            <a:r>
+              <a:rPr lang="en-AU" b="1" dirty="0"/>
+              <a:t>21.10.21</a:t>
+            </a:r>
+          </a:p>
+          <a:p>
+            <a:r>
+              <a:rPr lang="en-AU" b="1" dirty="0"/>
+              <a:t>Cyber-Angriff auf </a:t>
+            </a:r>
+            <a:r>
+              <a:rPr lang="en-AU" b="1" dirty="0" err="1"/>
+              <a:t>easygov</a:t>
+            </a:r>
+            <a:r>
+              <a:rPr lang="en-AU" b="1" dirty="0"/>
+              <a:t>: Hacker </a:t>
+            </a:r>
+            <a:r>
+              <a:rPr lang="en-AU" b="1" dirty="0" err="1"/>
+              <a:t>klauen</a:t>
+            </a:r>
+            <a:r>
+              <a:rPr lang="en-AU" b="1" dirty="0"/>
+              <a:t> </a:t>
+            </a:r>
+            <a:r>
+              <a:rPr lang="en-AU" b="1" dirty="0" err="1"/>
+              <a:t>vom</a:t>
+            </a:r>
+            <a:r>
+              <a:rPr lang="en-AU" b="1" dirty="0"/>
+              <a:t> Bund </a:t>
+            </a:r>
+            <a:r>
+              <a:rPr lang="en-AU" b="1" dirty="0" err="1"/>
+              <a:t>Liste</a:t>
+            </a:r>
+            <a:r>
+              <a:rPr lang="en-AU" b="1" dirty="0"/>
+              <a:t> </a:t>
+            </a:r>
+            <a:r>
+              <a:rPr lang="en-AU" b="1" dirty="0" err="1"/>
+              <a:t>mit</a:t>
+            </a:r>
+            <a:r>
+              <a:rPr lang="en-AU" b="1" dirty="0"/>
+              <a:t> Corona </a:t>
+            </a:r>
+            <a:r>
+              <a:rPr lang="en-AU" b="1" dirty="0" err="1"/>
+              <a:t>Kredit</a:t>
+            </a:r>
+            <a:r>
+              <a:rPr lang="en-AU" b="1" dirty="0"/>
+              <a:t> </a:t>
+            </a:r>
+            <a:r>
+              <a:rPr lang="en-AU" b="1" dirty="0" err="1"/>
+              <a:t>Bezügern</a:t>
+            </a:r>
+            <a:endParaRPr lang="en-AU" b="1" dirty="0"/>
+          </a:p>
+          <a:p>
+            <a:r>
+              <a:rPr lang="en-AU" dirty="0"/>
+              <a:t>https://</a:t>
+            </a:r>
+            <a:r>
+              <a:rPr lang="en-AU" dirty="0" err="1"/>
+              <a:t>www.srf.ch</a:t>
+            </a:r>
+            <a:r>
+              <a:rPr lang="en-AU" dirty="0"/>
+              <a:t>/news/</a:t>
+            </a:r>
+            <a:r>
+              <a:rPr lang="en-AU" dirty="0" err="1"/>
+              <a:t>schweiz</a:t>
+            </a:r>
+            <a:r>
+              <a:rPr lang="en-AU" dirty="0"/>
+              <a:t>/cyber-angriff-auf-easygov-hacker-klauen-vom-bund-liste-mit-corona-kredit-bezuegern</a:t>
+            </a:r>
+          </a:p>
+        </p:txBody>
+      </p:sp>
+      <p:sp>
+        <p:nvSpPr>
+          <p:cNvPr id="4" name="Foliennummernplatzhalter 3"/>
+          <p:cNvSpPr>
+            <a:spLocks noGrp="1"/>
+          </p:cNvSpPr>
+          <p:nvPr>
+            <p:ph type="sldNum" sz="quarter" idx="5"/>
+          </p:nvPr>
+        </p:nvSpPr>
+        <p:spPr/>
+        <p:txBody>
+          <a:bodyPr/>
+          <a:lstStyle/>
+          <a:p>
+            <a:fld id="{1C9FAC6C-8BE2-C347-AC61-57F0A687A327}" type="slidenum">
+              <a:rPr lang="en-AU" smtClean="0"/>
+              <a:t>7</a:t>
+            </a:fld>
+            <a:endParaRPr lang="en-AU"/>
+          </a:p>
+        </p:txBody>
+      </p:sp>
+    </p:spTree>
+    <p:extLst>
+      <p:ext uri="{BB962C8B-B14F-4D97-AF65-F5344CB8AC3E}">
+        <p14:creationId xmlns:p14="http://schemas.microsoft.com/office/powerpoint/2010/main" val="3640520199"/>
+      </p:ext>
+    </p:extLst>
+  </p:cSld>
+  <p:clrMapOvr>
+    <a:masterClrMapping/>
+  </p:clrMapOvr>
+</p:notes>
+</file>
+
+<file path=ppt/notesSlides/notesSlide2.xml><?xml version="1.0" encoding="utf-8"?>
+<p:notes xmlns:a="http://schemas.openxmlformats.org/drawingml/2006/main" xmlns:r="http://schemas.openxmlformats.org/officeDocument/2006/relationships" xmlns:p="http://schemas.openxmlformats.org/presentationml/2006/main">
+  <p:cSld>
+    <p:spTree>
+      <p:nvGrpSpPr>
+        <p:cNvPr id="1" name=""/>
+        <p:cNvGrpSpPr/>
+        <p:nvPr/>
+      </p:nvGrpSpPr>
+      <p:grpSpPr>
+        <a:xfrm>
+          <a:off x="0" y="0"/>
+          <a:ext cx="0" cy="0"/>
+          <a:chOff x="0" y="0"/>
+          <a:chExt cx="0" cy="0"/>
+        </a:xfrm>
+      </p:grpSpPr>
+      <p:sp>
+        <p:nvSpPr>
+          <p:cNvPr id="2" name="Folienbildplatzhalter 1"/>
+          <p:cNvSpPr>
+            <a:spLocks noGrp="1" noRot="1" noChangeAspect="1"/>
+          </p:cNvSpPr>
+          <p:nvPr>
+            <p:ph type="sldImg"/>
+          </p:nvPr>
+        </p:nvSpPr>
+        <p:spPr/>
+      </p:sp>
+      <p:sp>
+        <p:nvSpPr>
+          <p:cNvPr id="3" name="Notizenplatzhalter 2"/>
+          <p:cNvSpPr>
+            <a:spLocks noGrp="1"/>
+          </p:cNvSpPr>
+          <p:nvPr>
+            <p:ph type="body" idx="1"/>
+          </p:nvPr>
+        </p:nvSpPr>
+        <p:spPr/>
+        <p:txBody>
+          <a:bodyPr/>
+          <a:lstStyle/>
+          <a:p>
+            <a:r>
+              <a:rPr lang="en-AU" dirty="0"/>
+              <a:t>BSP CC Schweiz: </a:t>
+            </a:r>
+            <a:r>
+              <a:rPr lang="en-AU" dirty="0" err="1"/>
+              <a:t>Cyberangriffe</a:t>
+            </a:r>
+            <a:r>
+              <a:rPr lang="en-AU" dirty="0"/>
+              <a:t> auf </a:t>
+            </a:r>
+            <a:r>
+              <a:rPr lang="en-AU" dirty="0" err="1"/>
+              <a:t>verschiedene</a:t>
+            </a:r>
+            <a:r>
+              <a:rPr lang="en-AU" dirty="0"/>
+              <a:t> Gemeinden</a:t>
+            </a:r>
+          </a:p>
+          <a:p>
+            <a:pPr marL="171450" indent="-171450">
+              <a:buFontTx/>
+              <a:buChar char="-"/>
+            </a:pPr>
+            <a:r>
+              <a:rPr lang="en-AU" dirty="0" err="1"/>
+              <a:t>Mellingen</a:t>
+            </a:r>
+            <a:r>
+              <a:rPr lang="en-AU" dirty="0"/>
+              <a:t> (</a:t>
+            </a:r>
+            <a:r>
+              <a:rPr lang="en-AU" dirty="0" err="1"/>
+              <a:t>Oktober</a:t>
+            </a:r>
+            <a:r>
+              <a:rPr lang="en-AU" dirty="0"/>
+              <a:t> 2021)</a:t>
+            </a:r>
+          </a:p>
+          <a:p>
+            <a:pPr marL="171450" indent="-171450">
+              <a:buFontTx/>
+              <a:buChar char="-"/>
+            </a:pPr>
+            <a:r>
+              <a:rPr lang="en-AU" dirty="0"/>
+              <a:t>Montreux  (</a:t>
+            </a:r>
+            <a:r>
+              <a:rPr lang="en-AU" dirty="0" err="1"/>
+              <a:t>Oktober</a:t>
+            </a:r>
+            <a:r>
+              <a:rPr lang="en-AU" dirty="0"/>
+              <a:t> 2021)</a:t>
+            </a:r>
+          </a:p>
+          <a:p>
+            <a:pPr marL="171450" indent="-171450">
+              <a:buFontTx/>
+              <a:buChar char="-"/>
+            </a:pPr>
+            <a:r>
+              <a:rPr lang="en-AU" dirty="0"/>
+              <a:t>Rolle VD (Mai 2021)</a:t>
+            </a:r>
+          </a:p>
+        </p:txBody>
+      </p:sp>
+      <p:sp>
+        <p:nvSpPr>
+          <p:cNvPr id="4" name="Foliennummernplatzhalter 3"/>
+          <p:cNvSpPr>
+            <a:spLocks noGrp="1"/>
+          </p:cNvSpPr>
+          <p:nvPr>
+            <p:ph type="sldNum" sz="quarter" idx="5"/>
+          </p:nvPr>
+        </p:nvSpPr>
+        <p:spPr/>
+        <p:txBody>
+          <a:bodyPr/>
+          <a:lstStyle/>
+          <a:p>
+            <a:fld id="{1C9FAC6C-8BE2-C347-AC61-57F0A687A327}" type="slidenum">
+              <a:rPr lang="en-AU" smtClean="0"/>
+              <a:t>8</a:t>
+            </a:fld>
+            <a:endParaRPr lang="en-AU"/>
+          </a:p>
+        </p:txBody>
+      </p:sp>
+    </p:spTree>
+    <p:extLst>
+      <p:ext uri="{BB962C8B-B14F-4D97-AF65-F5344CB8AC3E}">
+        <p14:creationId xmlns:p14="http://schemas.microsoft.com/office/powerpoint/2010/main" val="511237158"/>
+      </p:ext>
+    </p:extLst>
+  </p:cSld>
+  <p:clrMapOvr>
+    <a:masterClrMapping/>
+  </p:clrMapOvr>
+</p:notes>
+</file>
+
+<file path=ppt/notesSlides/notesSlide3.xml><?xml version="1.0" encoding="utf-8"?>
+<p:notes xmlns:a="http://schemas.openxmlformats.org/drawingml/2006/main" xmlns:r="http://schemas.openxmlformats.org/officeDocument/2006/relationships" xmlns:p="http://schemas.openxmlformats.org/presentationml/2006/main">
+  <p:cSld>
+    <p:spTree>
+      <p:nvGrpSpPr>
+        <p:cNvPr id="1" name=""/>
+        <p:cNvGrpSpPr/>
+        <p:nvPr/>
+      </p:nvGrpSpPr>
+      <p:grpSpPr>
+        <a:xfrm>
+          <a:off x="0" y="0"/>
+          <a:ext cx="0" cy="0"/>
+          <a:chOff x="0" y="0"/>
+          <a:chExt cx="0" cy="0"/>
+        </a:xfrm>
+      </p:grpSpPr>
+      <p:sp>
+        <p:nvSpPr>
+          <p:cNvPr id="2" name="Folienbildplatzhalter 1"/>
+          <p:cNvSpPr>
+            <a:spLocks noGrp="1" noRot="1" noChangeAspect="1"/>
+          </p:cNvSpPr>
+          <p:nvPr>
+            <p:ph type="sldImg"/>
+          </p:nvPr>
+        </p:nvSpPr>
+        <p:spPr/>
+      </p:sp>
+      <p:sp>
+        <p:nvSpPr>
+          <p:cNvPr id="3" name="Notizenplatzhalter 2"/>
+          <p:cNvSpPr>
+            <a:spLocks noGrp="1"/>
+          </p:cNvSpPr>
+          <p:nvPr>
+            <p:ph type="body" idx="1"/>
+          </p:nvPr>
+        </p:nvSpPr>
+        <p:spPr/>
+        <p:txBody>
+          <a:bodyPr/>
+          <a:lstStyle/>
+          <a:p>
+            <a:r>
+              <a:rPr lang="en-AU" dirty="0"/>
+              <a:t>BSP CC Schweiz </a:t>
+            </a:r>
+            <a:r>
+              <a:rPr lang="en-AU" b="1" dirty="0"/>
+              <a:t>24.09.21</a:t>
+            </a:r>
+            <a:endParaRPr lang="en-AU" dirty="0"/>
+          </a:p>
+          <a:p>
+            <a:r>
+              <a:rPr lang="de-CH" sz="1200" b="0" i="0" u="none" strike="noStrike" kern="1200" dirty="0">
+                <a:solidFill>
+                  <a:schemeClr val="tx1"/>
+                </a:solidFill>
+                <a:effectLst/>
+                <a:latin typeface="+mn-lt"/>
+                <a:ea typeface="+mn-ea"/>
+                <a:cs typeface="+mn-cs"/>
+              </a:rPr>
+              <a:t>Angebliches Coop-Gewinnspiel </a:t>
+            </a:r>
+            <a:br>
+              <a:rPr lang="de-CH" dirty="0"/>
+            </a:br>
+            <a:r>
+              <a:rPr lang="de-CH" sz="1200" b="0" i="0" u="none" strike="noStrike" kern="1200" dirty="0">
+                <a:solidFill>
+                  <a:schemeClr val="tx1"/>
+                </a:solidFill>
+                <a:effectLst/>
+                <a:latin typeface="+mn-lt"/>
+                <a:ea typeface="+mn-ea"/>
+                <a:cs typeface="+mn-cs"/>
+              </a:rPr>
+              <a:t>Momentan erhält das NCSC zahlreiche Meldungen zu einem angeblichen Gewinnspiel von Coop. Zum 50. Geburtstag erhalte man eine Geschenkkarte von 1000 CHF. Nach einigen Fragen soll man seine Mobiltelefonnummer angeben und schliesst so eine Abonnement für 10 CHF / Woche ab. Ignorieren Sie diese WhatsApp-Meldung und senden Sie diese nicht weiter. Sollten Sie die Nummer angegeben haben, melden Sie sich beim Telefonanbieter. </a:t>
+            </a:r>
+            <a:br>
+              <a:rPr lang="de-CH" dirty="0"/>
+            </a:br>
+            <a:r>
+              <a:rPr lang="de-CH" dirty="0"/>
+              <a:t>24.09.2021 12:20</a:t>
+            </a:r>
+          </a:p>
+          <a:p>
+            <a:endParaRPr lang="de-CH" dirty="0"/>
+          </a:p>
+          <a:p>
+            <a:r>
+              <a:rPr lang="en-AU" dirty="0"/>
+              <a:t>https://</a:t>
+            </a:r>
+            <a:r>
+              <a:rPr lang="en-AU" dirty="0" err="1"/>
+              <a:t>www.ncsc.admin.ch</a:t>
+            </a:r>
+            <a:r>
+              <a:rPr lang="en-AU" dirty="0"/>
+              <a:t>/</a:t>
+            </a:r>
+            <a:r>
+              <a:rPr lang="en-AU" dirty="0" err="1"/>
+              <a:t>ncsc</a:t>
+            </a:r>
+            <a:r>
+              <a:rPr lang="en-AU" dirty="0"/>
+              <a:t>/de/home/</a:t>
+            </a:r>
+            <a:r>
+              <a:rPr lang="en-AU" dirty="0" err="1"/>
+              <a:t>aktuell</a:t>
+            </a:r>
+            <a:r>
+              <a:rPr lang="en-AU" dirty="0"/>
+              <a:t>/</a:t>
+            </a:r>
+            <a:r>
+              <a:rPr lang="en-AU" dirty="0" err="1"/>
+              <a:t>aktuelle-vorfaelle.html</a:t>
+            </a:r>
+            <a:endParaRPr lang="en-AU" dirty="0"/>
+          </a:p>
+        </p:txBody>
+      </p:sp>
+      <p:sp>
+        <p:nvSpPr>
+          <p:cNvPr id="4" name="Foliennummernplatzhalter 3"/>
+          <p:cNvSpPr>
+            <a:spLocks noGrp="1"/>
+          </p:cNvSpPr>
+          <p:nvPr>
+            <p:ph type="sldNum" sz="quarter" idx="5"/>
+          </p:nvPr>
+        </p:nvSpPr>
+        <p:spPr/>
+        <p:txBody>
+          <a:bodyPr/>
+          <a:lstStyle/>
+          <a:p>
+            <a:fld id="{1C9FAC6C-8BE2-C347-AC61-57F0A687A327}" type="slidenum">
+              <a:rPr lang="en-AU" smtClean="0"/>
+              <a:t>9</a:t>
+            </a:fld>
+            <a:endParaRPr lang="en-AU"/>
+          </a:p>
+        </p:txBody>
+      </p:sp>
+    </p:spTree>
+    <p:extLst>
+      <p:ext uri="{BB962C8B-B14F-4D97-AF65-F5344CB8AC3E}">
+        <p14:creationId xmlns:p14="http://schemas.microsoft.com/office/powerpoint/2010/main" val="880810357"/>
+      </p:ext>
+    </p:extLst>
+  </p:cSld>
+  <p:clrMapOvr>
+    <a:masterClrMapping/>
+  </p:clrMapOvr>
+</p:notes>
+</file>
+
+<file path=ppt/notesSlides/notesSlide4.xml><?xml version="1.0" encoding="utf-8"?>
+<p:notes xmlns:a="http://schemas.openxmlformats.org/drawingml/2006/main" xmlns:r="http://schemas.openxmlformats.org/officeDocument/2006/relationships" xmlns:p="http://schemas.openxmlformats.org/presentationml/2006/main">
+  <p:cSld>
+    <p:spTree>
+      <p:nvGrpSpPr>
+        <p:cNvPr id="1" name=""/>
+        <p:cNvGrpSpPr/>
+        <p:nvPr/>
+      </p:nvGrpSpPr>
+      <p:grpSpPr>
+        <a:xfrm>
+          <a:off x="0" y="0"/>
+          <a:ext cx="0" cy="0"/>
+          <a:chOff x="0" y="0"/>
+          <a:chExt cx="0" cy="0"/>
+        </a:xfrm>
+      </p:grpSpPr>
+      <p:sp>
+        <p:nvSpPr>
+          <p:cNvPr id="2" name="Folienbildplatzhalter 1"/>
+          <p:cNvSpPr>
+            <a:spLocks noGrp="1" noRot="1" noChangeAspect="1"/>
+          </p:cNvSpPr>
+          <p:nvPr>
+            <p:ph type="sldImg"/>
+          </p:nvPr>
+        </p:nvSpPr>
+        <p:spPr/>
+      </p:sp>
+      <p:sp>
+        <p:nvSpPr>
+          <p:cNvPr id="3" name="Notizenplatzhalter 2"/>
+          <p:cNvSpPr>
+            <a:spLocks noGrp="1"/>
+          </p:cNvSpPr>
+          <p:nvPr>
+            <p:ph type="body" idx="1"/>
+          </p:nvPr>
+        </p:nvSpPr>
+        <p:spPr/>
+        <p:txBody>
+          <a:bodyPr/>
+          <a:lstStyle/>
+          <a:p>
+            <a:r>
+              <a:rPr lang="en-AU" dirty="0" err="1"/>
+              <a:t>Massnahme</a:t>
+            </a:r>
+            <a:r>
+              <a:rPr lang="en-AU" dirty="0"/>
+              <a:t> 1 </a:t>
+            </a:r>
+          </a:p>
+        </p:txBody>
+      </p:sp>
+      <p:sp>
+        <p:nvSpPr>
+          <p:cNvPr id="4" name="Foliennummernplatzhalter 3"/>
+          <p:cNvSpPr>
+            <a:spLocks noGrp="1"/>
+          </p:cNvSpPr>
+          <p:nvPr>
+            <p:ph type="sldNum" sz="quarter" idx="5"/>
+          </p:nvPr>
+        </p:nvSpPr>
+        <p:spPr/>
+        <p:txBody>
+          <a:bodyPr/>
+          <a:lstStyle/>
+          <a:p>
+            <a:fld id="{1C9FAC6C-8BE2-C347-AC61-57F0A687A327}" type="slidenum">
+              <a:rPr lang="en-AU" smtClean="0"/>
+              <a:t>14</a:t>
+            </a:fld>
+            <a:endParaRPr lang="en-AU"/>
+          </a:p>
+        </p:txBody>
+      </p:sp>
+    </p:spTree>
+    <p:extLst>
+      <p:ext uri="{BB962C8B-B14F-4D97-AF65-F5344CB8AC3E}">
+        <p14:creationId xmlns:p14="http://schemas.microsoft.com/office/powerpoint/2010/main" val="635995501"/>
+      </p:ext>
+    </p:extLst>
+  </p:cSld>
+  <p:clrMapOvr>
+    <a:masterClrMapping/>
+  </p:clrMapOvr>
+</p:notes>
+</file>
+
+<file path=ppt/notesSlides/notesSlide5.xml><?xml version="1.0" encoding="utf-8"?>
+<p:notes xmlns:a="http://schemas.openxmlformats.org/drawingml/2006/main" xmlns:r="http://schemas.openxmlformats.org/officeDocument/2006/relationships" xmlns:p="http://schemas.openxmlformats.org/presentationml/2006/main">
+  <p:cSld>
+    <p:spTree>
+      <p:nvGrpSpPr>
+        <p:cNvPr id="1" name=""/>
+        <p:cNvGrpSpPr/>
+        <p:nvPr/>
+      </p:nvGrpSpPr>
+      <p:grpSpPr>
+        <a:xfrm>
+          <a:off x="0" y="0"/>
+          <a:ext cx="0" cy="0"/>
+          <a:chOff x="0" y="0"/>
+          <a:chExt cx="0" cy="0"/>
+        </a:xfrm>
+      </p:grpSpPr>
+      <p:sp>
+        <p:nvSpPr>
+          <p:cNvPr id="2" name="Folienbildplatzhalter 1"/>
+          <p:cNvSpPr>
+            <a:spLocks noGrp="1" noRot="1" noChangeAspect="1"/>
+          </p:cNvSpPr>
+          <p:nvPr>
+            <p:ph type="sldImg"/>
+          </p:nvPr>
+        </p:nvSpPr>
+        <p:spPr/>
+      </p:sp>
+      <p:sp>
+        <p:nvSpPr>
+          <p:cNvPr id="3" name="Notizenplatzhalter 2"/>
+          <p:cNvSpPr>
+            <a:spLocks noGrp="1"/>
+          </p:cNvSpPr>
+          <p:nvPr>
+            <p:ph type="body" idx="1"/>
+          </p:nvPr>
+        </p:nvSpPr>
+        <p:spPr/>
+        <p:txBody>
+          <a:bodyPr/>
+          <a:lstStyle/>
+          <a:p>
+            <a:r>
+              <a:rPr lang="en-AU" dirty="0" err="1"/>
+              <a:t>Massnahme</a:t>
+            </a:r>
+            <a:r>
+              <a:rPr lang="en-AU" dirty="0"/>
+              <a:t> 2: Antivirus</a:t>
+            </a:r>
+          </a:p>
+        </p:txBody>
+      </p:sp>
+      <p:sp>
+        <p:nvSpPr>
+          <p:cNvPr id="4" name="Foliennummernplatzhalter 3"/>
+          <p:cNvSpPr>
+            <a:spLocks noGrp="1"/>
+          </p:cNvSpPr>
+          <p:nvPr>
+            <p:ph type="sldNum" sz="quarter" idx="5"/>
+          </p:nvPr>
+        </p:nvSpPr>
+        <p:spPr/>
+        <p:txBody>
+          <a:bodyPr/>
+          <a:lstStyle/>
+          <a:p>
+            <a:fld id="{1C9FAC6C-8BE2-C347-AC61-57F0A687A327}" type="slidenum">
+              <a:rPr lang="en-AU" smtClean="0"/>
+              <a:t>15</a:t>
+            </a:fld>
+            <a:endParaRPr lang="en-AU"/>
+          </a:p>
+        </p:txBody>
+      </p:sp>
+    </p:spTree>
+    <p:extLst>
+      <p:ext uri="{BB962C8B-B14F-4D97-AF65-F5344CB8AC3E}">
+        <p14:creationId xmlns:p14="http://schemas.microsoft.com/office/powerpoint/2010/main" val="74501793"/>
+      </p:ext>
+    </p:extLst>
+  </p:cSld>
+  <p:clrMapOvr>
+    <a:masterClrMapping/>
+  </p:clrMapOvr>
+</p:notes>
+</file>
+
+<file path=ppt/notesSlides/notesSlide6.xml><?xml version="1.0" encoding="utf-8"?>
+<p:notes xmlns:a="http://schemas.openxmlformats.org/drawingml/2006/main" xmlns:r="http://schemas.openxmlformats.org/officeDocument/2006/relationships" xmlns:p="http://schemas.openxmlformats.org/presentationml/2006/main">
+  <p:cSld>
+    <p:spTree>
+      <p:nvGrpSpPr>
+        <p:cNvPr id="1" name=""/>
+        <p:cNvGrpSpPr/>
+        <p:nvPr/>
+      </p:nvGrpSpPr>
+      <p:grpSpPr>
+        <a:xfrm>
+          <a:off x="0" y="0"/>
+          <a:ext cx="0" cy="0"/>
+          <a:chOff x="0" y="0"/>
+          <a:chExt cx="0" cy="0"/>
+        </a:xfrm>
+      </p:grpSpPr>
+      <p:sp>
+        <p:nvSpPr>
+          <p:cNvPr id="2" name="Folienbildplatzhalter 1"/>
+          <p:cNvSpPr>
+            <a:spLocks noGrp="1" noRot="1" noChangeAspect="1"/>
+          </p:cNvSpPr>
+          <p:nvPr>
+            <p:ph type="sldImg"/>
+          </p:nvPr>
+        </p:nvSpPr>
+        <p:spPr/>
+      </p:sp>
+      <p:sp>
+        <p:nvSpPr>
+          <p:cNvPr id="3" name="Notizenplatzhalter 2"/>
+          <p:cNvSpPr>
+            <a:spLocks noGrp="1"/>
+          </p:cNvSpPr>
+          <p:nvPr>
+            <p:ph type="body" idx="1"/>
+          </p:nvPr>
+        </p:nvSpPr>
+        <p:spPr/>
+        <p:txBody>
+          <a:bodyPr/>
+          <a:lstStyle/>
+          <a:p>
+            <a:r>
+              <a:rPr lang="en-AU" dirty="0" err="1"/>
+              <a:t>Massnahme</a:t>
+            </a:r>
+            <a:r>
+              <a:rPr lang="en-AU" dirty="0"/>
+              <a:t> 3: </a:t>
+            </a:r>
+            <a:r>
+              <a:rPr lang="en-AU" dirty="0" err="1"/>
+              <a:t>Passwort</a:t>
+            </a:r>
+            <a:endParaRPr lang="en-AU" dirty="0"/>
+          </a:p>
+        </p:txBody>
+      </p:sp>
+      <p:sp>
+        <p:nvSpPr>
+          <p:cNvPr id="4" name="Foliennummernplatzhalter 3"/>
+          <p:cNvSpPr>
+            <a:spLocks noGrp="1"/>
+          </p:cNvSpPr>
+          <p:nvPr>
+            <p:ph type="sldNum" sz="quarter" idx="5"/>
+          </p:nvPr>
+        </p:nvSpPr>
+        <p:spPr/>
+        <p:txBody>
+          <a:bodyPr/>
+          <a:lstStyle/>
+          <a:p>
+            <a:fld id="{1C9FAC6C-8BE2-C347-AC61-57F0A687A327}" type="slidenum">
+              <a:rPr lang="en-AU" smtClean="0"/>
+              <a:t>16</a:t>
+            </a:fld>
+            <a:endParaRPr lang="en-AU"/>
+          </a:p>
+        </p:txBody>
+      </p:sp>
+    </p:spTree>
+    <p:extLst>
+      <p:ext uri="{BB962C8B-B14F-4D97-AF65-F5344CB8AC3E}">
+        <p14:creationId xmlns:p14="http://schemas.microsoft.com/office/powerpoint/2010/main" val="1317550183"/>
+      </p:ext>
+    </p:extLst>
+  </p:cSld>
+  <p:clrMapOvr>
+    <a:masterClrMapping/>
+  </p:clrMapOvr>
+</p:notes>
+</file>
+
 <file path=ppt/slideLayouts/slideLayout1.xml><?xml version="1.0" encoding="utf-8"?>
 <p:sldLayout xmlns:a="http://schemas.openxmlformats.org/drawingml/2006/main" xmlns:r="http://schemas.openxmlformats.org/officeDocument/2006/relationships" xmlns:p="http://schemas.openxmlformats.org/presentationml/2006/main" type="title" preserve="1">
   <p:cSld name="Titelfolie">
@@ -260,7 +1398,7 @@
           <a:p>
             <a:fld id="{9C5B9FC0-A7A0-5E43-AEDE-45ADD593E40C}" type="datetimeFigureOut">
               <a:rPr lang="de-DE" smtClean="0"/>
-              <a:t>20.12.21</a:t>
+              <a:t>21.12.21</a:t>
             </a:fld>
             <a:endParaRPr lang="de-DE"/>
           </a:p>
@@ -458,7 +1596,7 @@
           <a:p>
             <a:fld id="{9C5B9FC0-A7A0-5E43-AEDE-45ADD593E40C}" type="datetimeFigureOut">
               <a:rPr lang="de-DE" smtClean="0"/>
-              <a:t>20.12.21</a:t>
+              <a:t>21.12.21</a:t>
             </a:fld>
             <a:endParaRPr lang="de-DE"/>
           </a:p>
@@ -666,7 +1804,7 @@
           <a:p>
             <a:fld id="{9C5B9FC0-A7A0-5E43-AEDE-45ADD593E40C}" type="datetimeFigureOut">
               <a:rPr lang="de-DE" smtClean="0"/>
-              <a:t>20.12.21</a:t>
+              <a:t>21.12.21</a:t>
             </a:fld>
             <a:endParaRPr lang="de-DE"/>
           </a:p>
@@ -864,7 +2002,7 @@
           <a:p>
             <a:fld id="{9C5B9FC0-A7A0-5E43-AEDE-45ADD593E40C}" type="datetimeFigureOut">
               <a:rPr lang="de-DE" smtClean="0"/>
-              <a:t>20.12.21</a:t>
+              <a:t>21.12.21</a:t>
             </a:fld>
             <a:endParaRPr lang="de-DE"/>
           </a:p>
@@ -1139,7 +2277,7 @@
           <a:p>
             <a:fld id="{9C5B9FC0-A7A0-5E43-AEDE-45ADD593E40C}" type="datetimeFigureOut">
               <a:rPr lang="de-DE" smtClean="0"/>
-              <a:t>20.12.21</a:t>
+              <a:t>21.12.21</a:t>
             </a:fld>
             <a:endParaRPr lang="de-DE"/>
           </a:p>
@@ -1404,7 +2542,7 @@
           <a:p>
             <a:fld id="{9C5B9FC0-A7A0-5E43-AEDE-45ADD593E40C}" type="datetimeFigureOut">
               <a:rPr lang="de-DE" smtClean="0"/>
-              <a:t>20.12.21</a:t>
+              <a:t>21.12.21</a:t>
             </a:fld>
             <a:endParaRPr lang="de-DE"/>
           </a:p>
@@ -1816,7 +2954,7 @@
           <a:p>
             <a:fld id="{9C5B9FC0-A7A0-5E43-AEDE-45ADD593E40C}" type="datetimeFigureOut">
               <a:rPr lang="de-DE" smtClean="0"/>
-              <a:t>20.12.21</a:t>
+              <a:t>21.12.21</a:t>
             </a:fld>
             <a:endParaRPr lang="de-DE"/>
           </a:p>
@@ -1957,7 +3095,7 @@
           <a:p>
             <a:fld id="{9C5B9FC0-A7A0-5E43-AEDE-45ADD593E40C}" type="datetimeFigureOut">
               <a:rPr lang="de-DE" smtClean="0"/>
-              <a:t>20.12.21</a:t>
+              <a:t>21.12.21</a:t>
             </a:fld>
             <a:endParaRPr lang="de-DE"/>
           </a:p>
@@ -2070,7 +3208,7 @@
           <a:p>
             <a:fld id="{9C5B9FC0-A7A0-5E43-AEDE-45ADD593E40C}" type="datetimeFigureOut">
               <a:rPr lang="de-DE" smtClean="0"/>
-              <a:t>20.12.21</a:t>
+              <a:t>21.12.21</a:t>
             </a:fld>
             <a:endParaRPr lang="de-DE"/>
           </a:p>
@@ -2381,7 +3519,7 @@
           <a:p>
             <a:fld id="{9C5B9FC0-A7A0-5E43-AEDE-45ADD593E40C}" type="datetimeFigureOut">
               <a:rPr lang="de-DE" smtClean="0"/>
-              <a:t>20.12.21</a:t>
+              <a:t>21.12.21</a:t>
             </a:fld>
             <a:endParaRPr lang="de-DE"/>
           </a:p>
@@ -2669,7 +3807,7 @@
           <a:p>
             <a:fld id="{9C5B9FC0-A7A0-5E43-AEDE-45ADD593E40C}" type="datetimeFigureOut">
               <a:rPr lang="de-DE" smtClean="0"/>
-              <a:t>20.12.21</a:t>
+              <a:t>21.12.21</a:t>
             </a:fld>
             <a:endParaRPr lang="de-DE"/>
           </a:p>
@@ -2913,7 +4051,7 @@
           <a:p>
             <a:fld id="{9C5B9FC0-A7A0-5E43-AEDE-45ADD593E40C}" type="datetimeFigureOut">
               <a:rPr lang="de-DE" smtClean="0"/>
-              <a:t>20.12.21</a:t>
+              <a:t>21.12.21</a:t>
             </a:fld>
             <a:endParaRPr lang="de-DE"/>
           </a:p>
@@ -3330,6 +4468,690 @@
           <a:chExt cx="0" cy="0"/>
         </a:xfrm>
       </p:grpSpPr>
+      <p:pic>
+        <p:nvPicPr>
+          <p:cNvPr id="3" name="Grafik 2" descr="Ein Bild, das Text enthält.&#10;&#10;Automatisch generierte Beschreibung">
+            <a:extLst>
+              <a:ext uri="{FF2B5EF4-FFF2-40B4-BE49-F238E27FC236}">
+                <a16:creationId xmlns:a16="http://schemas.microsoft.com/office/drawing/2014/main" id="{646CABA6-58AB-3143-B739-46AD7A21AC49}"/>
+              </a:ext>
+            </a:extLst>
+          </p:cNvPr>
+          <p:cNvPicPr>
+            <a:picLocks noChangeAspect="1"/>
+          </p:cNvPicPr>
+          <p:nvPr/>
+        </p:nvPicPr>
+        <p:blipFill>
+          <a:blip r:embed="rId2"/>
+          <a:stretch>
+            <a:fillRect/>
+          </a:stretch>
+        </p:blipFill>
+        <p:spPr>
+          <a:xfrm>
+            <a:off x="4275182" y="831954"/>
+            <a:ext cx="3641636" cy="5194092"/>
+          </a:xfrm>
+          <a:prstGeom prst="rect">
+            <a:avLst/>
+          </a:prstGeom>
+        </p:spPr>
+      </p:pic>
+    </p:spTree>
+    <p:extLst>
+      <p:ext uri="{BB962C8B-B14F-4D97-AF65-F5344CB8AC3E}">
+        <p14:creationId xmlns:p14="http://schemas.microsoft.com/office/powerpoint/2010/main" val="845030629"/>
+      </p:ext>
+    </p:extLst>
+  </p:cSld>
+  <p:clrMapOvr>
+    <a:masterClrMapping/>
+  </p:clrMapOvr>
+</p:sld>
+</file>
+
+<file path=ppt/slides/slide10.xml><?xml version="1.0" encoding="utf-8"?>
+<p:sld xmlns:a="http://schemas.openxmlformats.org/drawingml/2006/main" xmlns:r="http://schemas.openxmlformats.org/officeDocument/2006/relationships" xmlns:p="http://schemas.openxmlformats.org/presentationml/2006/main">
+  <p:cSld>
+    <p:spTree>
+      <p:nvGrpSpPr>
+        <p:cNvPr id="1" name=""/>
+        <p:cNvGrpSpPr/>
+        <p:nvPr/>
+      </p:nvGrpSpPr>
+      <p:grpSpPr>
+        <a:xfrm>
+          <a:off x="0" y="0"/>
+          <a:ext cx="0" cy="0"/>
+          <a:chOff x="0" y="0"/>
+          <a:chExt cx="0" cy="0"/>
+        </a:xfrm>
+      </p:grpSpPr>
+      <p:sp>
+        <p:nvSpPr>
+          <p:cNvPr id="2" name="Textfeld 1">
+            <a:extLst>
+              <a:ext uri="{FF2B5EF4-FFF2-40B4-BE49-F238E27FC236}">
+                <a16:creationId xmlns:a16="http://schemas.microsoft.com/office/drawing/2014/main" id="{81674A2F-FFC6-2548-97B5-24482E4470EB}"/>
+              </a:ext>
+            </a:extLst>
+          </p:cNvPr>
+          <p:cNvSpPr txBox="1"/>
+          <p:nvPr/>
+        </p:nvSpPr>
+        <p:spPr>
+          <a:xfrm>
+            <a:off x="3822492" y="3102964"/>
+            <a:ext cx="4047344" cy="369332"/>
+          </a:xfrm>
+          <a:prstGeom prst="rect">
+            <a:avLst/>
+          </a:prstGeom>
+          <a:noFill/>
+        </p:spPr>
+        <p:txBody>
+          <a:bodyPr wrap="square" rtlCol="0">
+            <a:spAutoFit/>
+          </a:bodyPr>
+          <a:lstStyle/>
+          <a:p>
+            <a:r>
+              <a:rPr lang="en-AU" dirty="0"/>
+              <a:t>BSP CC Schweiz</a:t>
+            </a:r>
+          </a:p>
+        </p:txBody>
+      </p:sp>
+    </p:spTree>
+    <p:extLst>
+      <p:ext uri="{BB962C8B-B14F-4D97-AF65-F5344CB8AC3E}">
+        <p14:creationId xmlns:p14="http://schemas.microsoft.com/office/powerpoint/2010/main" val="53647589"/>
+      </p:ext>
+    </p:extLst>
+  </p:cSld>
+  <p:clrMapOvr>
+    <a:masterClrMapping/>
+  </p:clrMapOvr>
+</p:sld>
+</file>
+
+<file path=ppt/slides/slide11.xml><?xml version="1.0" encoding="utf-8"?>
+<p:sld xmlns:a="http://schemas.openxmlformats.org/drawingml/2006/main" xmlns:r="http://schemas.openxmlformats.org/officeDocument/2006/relationships" xmlns:p="http://schemas.openxmlformats.org/presentationml/2006/main">
+  <p:cSld>
+    <p:spTree>
+      <p:nvGrpSpPr>
+        <p:cNvPr id="1" name=""/>
+        <p:cNvGrpSpPr/>
+        <p:nvPr/>
+      </p:nvGrpSpPr>
+      <p:grpSpPr>
+        <a:xfrm>
+          <a:off x="0" y="0"/>
+          <a:ext cx="0" cy="0"/>
+          <a:chOff x="0" y="0"/>
+          <a:chExt cx="0" cy="0"/>
+        </a:xfrm>
+      </p:grpSpPr>
+      <p:sp>
+        <p:nvSpPr>
+          <p:cNvPr id="2" name="Textfeld 1">
+            <a:extLst>
+              <a:ext uri="{FF2B5EF4-FFF2-40B4-BE49-F238E27FC236}">
+                <a16:creationId xmlns:a16="http://schemas.microsoft.com/office/drawing/2014/main" id="{81674A2F-FFC6-2548-97B5-24482E4470EB}"/>
+              </a:ext>
+            </a:extLst>
+          </p:cNvPr>
+          <p:cNvSpPr txBox="1"/>
+          <p:nvPr/>
+        </p:nvSpPr>
+        <p:spPr>
+          <a:xfrm>
+            <a:off x="3822492" y="3102964"/>
+            <a:ext cx="4047344" cy="369332"/>
+          </a:xfrm>
+          <a:prstGeom prst="rect">
+            <a:avLst/>
+          </a:prstGeom>
+          <a:noFill/>
+        </p:spPr>
+        <p:txBody>
+          <a:bodyPr wrap="square" rtlCol="0">
+            <a:spAutoFit/>
+          </a:bodyPr>
+          <a:lstStyle/>
+          <a:p>
+            <a:r>
+              <a:rPr lang="en-AU" dirty="0" err="1"/>
+              <a:t>Grafiken</a:t>
+            </a:r>
+            <a:r>
+              <a:rPr lang="en-AU" dirty="0"/>
+              <a:t> und </a:t>
+            </a:r>
+            <a:r>
+              <a:rPr lang="en-AU" dirty="0" err="1"/>
+              <a:t>Tabellen</a:t>
+            </a:r>
+            <a:endParaRPr lang="en-AU" dirty="0"/>
+          </a:p>
+        </p:txBody>
+      </p:sp>
+    </p:spTree>
+    <p:extLst>
+      <p:ext uri="{BB962C8B-B14F-4D97-AF65-F5344CB8AC3E}">
+        <p14:creationId xmlns:p14="http://schemas.microsoft.com/office/powerpoint/2010/main" val="2479017229"/>
+      </p:ext>
+    </p:extLst>
+  </p:cSld>
+  <p:clrMapOvr>
+    <a:masterClrMapping/>
+  </p:clrMapOvr>
+</p:sld>
+</file>
+
+<file path=ppt/slides/slide12.xml><?xml version="1.0" encoding="utf-8"?>
+<p:sld xmlns:a="http://schemas.openxmlformats.org/drawingml/2006/main" xmlns:r="http://schemas.openxmlformats.org/officeDocument/2006/relationships" xmlns:p="http://schemas.openxmlformats.org/presentationml/2006/main">
+  <p:cSld>
+    <p:spTree>
+      <p:nvGrpSpPr>
+        <p:cNvPr id="1" name=""/>
+        <p:cNvGrpSpPr/>
+        <p:nvPr/>
+      </p:nvGrpSpPr>
+      <p:grpSpPr>
+        <a:xfrm>
+          <a:off x="0" y="0"/>
+          <a:ext cx="0" cy="0"/>
+          <a:chOff x="0" y="0"/>
+          <a:chExt cx="0" cy="0"/>
+        </a:xfrm>
+      </p:grpSpPr>
+      <p:sp>
+        <p:nvSpPr>
+          <p:cNvPr id="2" name="Textfeld 1">
+            <a:extLst>
+              <a:ext uri="{FF2B5EF4-FFF2-40B4-BE49-F238E27FC236}">
+                <a16:creationId xmlns:a16="http://schemas.microsoft.com/office/drawing/2014/main" id="{81674A2F-FFC6-2548-97B5-24482E4470EB}"/>
+              </a:ext>
+            </a:extLst>
+          </p:cNvPr>
+          <p:cNvSpPr txBox="1"/>
+          <p:nvPr/>
+        </p:nvSpPr>
+        <p:spPr>
+          <a:xfrm>
+            <a:off x="3822492" y="3102964"/>
+            <a:ext cx="4047344" cy="369332"/>
+          </a:xfrm>
+          <a:prstGeom prst="rect">
+            <a:avLst/>
+          </a:prstGeom>
+          <a:noFill/>
+        </p:spPr>
+        <p:txBody>
+          <a:bodyPr wrap="square" rtlCol="0">
+            <a:spAutoFit/>
+          </a:bodyPr>
+          <a:lstStyle/>
+          <a:p>
+            <a:r>
+              <a:rPr lang="en-AU" dirty="0" err="1"/>
+              <a:t>Grafiken</a:t>
+            </a:r>
+            <a:r>
+              <a:rPr lang="en-AU" dirty="0"/>
+              <a:t> und </a:t>
+            </a:r>
+            <a:r>
+              <a:rPr lang="en-AU" dirty="0" err="1"/>
+              <a:t>Tabellen</a:t>
+            </a:r>
+            <a:endParaRPr lang="en-AU" dirty="0"/>
+          </a:p>
+        </p:txBody>
+      </p:sp>
+    </p:spTree>
+    <p:extLst>
+      <p:ext uri="{BB962C8B-B14F-4D97-AF65-F5344CB8AC3E}">
+        <p14:creationId xmlns:p14="http://schemas.microsoft.com/office/powerpoint/2010/main" val="4046265165"/>
+      </p:ext>
+    </p:extLst>
+  </p:cSld>
+  <p:clrMapOvr>
+    <a:masterClrMapping/>
+  </p:clrMapOvr>
+</p:sld>
+</file>
+
+<file path=ppt/slides/slide13.xml><?xml version="1.0" encoding="utf-8"?>
+<p:sld xmlns:a="http://schemas.openxmlformats.org/drawingml/2006/main" xmlns:r="http://schemas.openxmlformats.org/officeDocument/2006/relationships" xmlns:p="http://schemas.openxmlformats.org/presentationml/2006/main">
+  <p:cSld>
+    <p:spTree>
+      <p:nvGrpSpPr>
+        <p:cNvPr id="1" name=""/>
+        <p:cNvGrpSpPr/>
+        <p:nvPr/>
+      </p:nvGrpSpPr>
+      <p:grpSpPr>
+        <a:xfrm>
+          <a:off x="0" y="0"/>
+          <a:ext cx="0" cy="0"/>
+          <a:chOff x="0" y="0"/>
+          <a:chExt cx="0" cy="0"/>
+        </a:xfrm>
+      </p:grpSpPr>
+      <p:sp>
+        <p:nvSpPr>
+          <p:cNvPr id="2" name="Textfeld 1">
+            <a:extLst>
+              <a:ext uri="{FF2B5EF4-FFF2-40B4-BE49-F238E27FC236}">
+                <a16:creationId xmlns:a16="http://schemas.microsoft.com/office/drawing/2014/main" id="{81674A2F-FFC6-2548-97B5-24482E4470EB}"/>
+              </a:ext>
+            </a:extLst>
+          </p:cNvPr>
+          <p:cNvSpPr txBox="1"/>
+          <p:nvPr/>
+        </p:nvSpPr>
+        <p:spPr>
+          <a:xfrm>
+            <a:off x="3822492" y="3102964"/>
+            <a:ext cx="4047344" cy="369332"/>
+          </a:xfrm>
+          <a:prstGeom prst="rect">
+            <a:avLst/>
+          </a:prstGeom>
+          <a:noFill/>
+        </p:spPr>
+        <p:txBody>
+          <a:bodyPr wrap="square" rtlCol="0">
+            <a:spAutoFit/>
+          </a:bodyPr>
+          <a:lstStyle/>
+          <a:p>
+            <a:r>
+              <a:rPr lang="en-AU" dirty="0" err="1"/>
+              <a:t>Grafiken</a:t>
+            </a:r>
+            <a:r>
+              <a:rPr lang="en-AU" dirty="0"/>
+              <a:t> und </a:t>
+            </a:r>
+            <a:r>
+              <a:rPr lang="en-AU" dirty="0" err="1"/>
+              <a:t>Tabellen</a:t>
+            </a:r>
+            <a:endParaRPr lang="en-AU" dirty="0"/>
+          </a:p>
+        </p:txBody>
+      </p:sp>
+    </p:spTree>
+    <p:extLst>
+      <p:ext uri="{BB962C8B-B14F-4D97-AF65-F5344CB8AC3E}">
+        <p14:creationId xmlns:p14="http://schemas.microsoft.com/office/powerpoint/2010/main" val="1608842490"/>
+      </p:ext>
+    </p:extLst>
+  </p:cSld>
+  <p:clrMapOvr>
+    <a:masterClrMapping/>
+  </p:clrMapOvr>
+</p:sld>
+</file>
+
+<file path=ppt/slides/slide14.xml><?xml version="1.0" encoding="utf-8"?>
+<p:sld xmlns:a="http://schemas.openxmlformats.org/drawingml/2006/main" xmlns:r="http://schemas.openxmlformats.org/officeDocument/2006/relationships" xmlns:p="http://schemas.openxmlformats.org/presentationml/2006/main">
+  <p:cSld>
+    <p:spTree>
+      <p:nvGrpSpPr>
+        <p:cNvPr id="1" name=""/>
+        <p:cNvGrpSpPr/>
+        <p:nvPr/>
+      </p:nvGrpSpPr>
+      <p:grpSpPr>
+        <a:xfrm>
+          <a:off x="0" y="0"/>
+          <a:ext cx="0" cy="0"/>
+          <a:chOff x="0" y="0"/>
+          <a:chExt cx="0" cy="0"/>
+        </a:xfrm>
+      </p:grpSpPr>
+      <p:pic>
+        <p:nvPicPr>
+          <p:cNvPr id="2050" name="Picture 2" descr="Beste Treiber-Update-Software für Windows 10 (Rezensionen 2021) - DE Atsit">
+            <a:extLst>
+              <a:ext uri="{FF2B5EF4-FFF2-40B4-BE49-F238E27FC236}">
+                <a16:creationId xmlns:a16="http://schemas.microsoft.com/office/drawing/2014/main" id="{41E2F5E0-E9DF-4243-9D63-A7A5ADB5BF62}"/>
+              </a:ext>
+            </a:extLst>
+          </p:cNvPr>
+          <p:cNvPicPr>
+            <a:picLocks noChangeAspect="1" noChangeArrowheads="1"/>
+          </p:cNvPicPr>
+          <p:nvPr/>
+        </p:nvPicPr>
+        <p:blipFill>
+          <a:blip r:embed="rId3">
+            <a:extLst>
+              <a:ext uri="{28A0092B-C50C-407E-A947-70E740481C1C}">
+                <a14:useLocalDpi xmlns:a14="http://schemas.microsoft.com/office/drawing/2010/main" val="0"/>
+              </a:ext>
+            </a:extLst>
+          </a:blip>
+          <a:srcRect/>
+          <a:stretch>
+            <a:fillRect/>
+          </a:stretch>
+        </p:blipFill>
+        <p:spPr bwMode="auto">
+          <a:xfrm>
+            <a:off x="1651800" y="1087114"/>
+            <a:ext cx="8888400" cy="4683771"/>
+          </a:xfrm>
+          <a:prstGeom prst="rect">
+            <a:avLst/>
+          </a:prstGeom>
+          <a:noFill/>
+          <a:extLst>
+            <a:ext uri="{909E8E84-426E-40DD-AFC4-6F175D3DCCD1}">
+              <a14:hiddenFill xmlns:a14="http://schemas.microsoft.com/office/drawing/2010/main">
+                <a:solidFill>
+                  <a:srgbClr val="FFFFFF"/>
+                </a:solidFill>
+              </a14:hiddenFill>
+            </a:ext>
+          </a:extLst>
+        </p:spPr>
+      </p:pic>
+    </p:spTree>
+    <p:extLst>
+      <p:ext uri="{BB962C8B-B14F-4D97-AF65-F5344CB8AC3E}">
+        <p14:creationId xmlns:p14="http://schemas.microsoft.com/office/powerpoint/2010/main" val="36382944"/>
+      </p:ext>
+    </p:extLst>
+  </p:cSld>
+  <p:clrMapOvr>
+    <a:masterClrMapping/>
+  </p:clrMapOvr>
+</p:sld>
+</file>
+
+<file path=ppt/slides/slide15.xml><?xml version="1.0" encoding="utf-8"?>
+<p:sld xmlns:a="http://schemas.openxmlformats.org/drawingml/2006/main" xmlns:r="http://schemas.openxmlformats.org/officeDocument/2006/relationships" xmlns:p="http://schemas.openxmlformats.org/presentationml/2006/main">
+  <p:cSld>
+    <p:spTree>
+      <p:nvGrpSpPr>
+        <p:cNvPr id="1" name=""/>
+        <p:cNvGrpSpPr/>
+        <p:nvPr/>
+      </p:nvGrpSpPr>
+      <p:grpSpPr>
+        <a:xfrm>
+          <a:off x="0" y="0"/>
+          <a:ext cx="0" cy="0"/>
+          <a:chOff x="0" y="0"/>
+          <a:chExt cx="0" cy="0"/>
+        </a:xfrm>
+      </p:grpSpPr>
+      <p:pic>
+        <p:nvPicPr>
+          <p:cNvPr id="3074" name="Picture 2" descr="Antivirus-Kundenbarometer 2020: Langzeit-Erfahrungen zusammengefasst - PC  Magazin">
+            <a:extLst>
+              <a:ext uri="{FF2B5EF4-FFF2-40B4-BE49-F238E27FC236}">
+                <a16:creationId xmlns:a16="http://schemas.microsoft.com/office/drawing/2014/main" id="{C4BA94F8-C6AE-B345-AFDD-4C413EEBBAC8}"/>
+              </a:ext>
+            </a:extLst>
+          </p:cNvPr>
+          <p:cNvPicPr>
+            <a:picLocks noChangeAspect="1" noChangeArrowheads="1"/>
+          </p:cNvPicPr>
+          <p:nvPr/>
+        </p:nvPicPr>
+        <p:blipFill>
+          <a:blip r:embed="rId3">
+            <a:extLst>
+              <a:ext uri="{28A0092B-C50C-407E-A947-70E740481C1C}">
+                <a14:useLocalDpi xmlns:a14="http://schemas.microsoft.com/office/drawing/2010/main" val="0"/>
+              </a:ext>
+            </a:extLst>
+          </a:blip>
+          <a:srcRect/>
+          <a:stretch>
+            <a:fillRect/>
+          </a:stretch>
+        </p:blipFill>
+        <p:spPr bwMode="auto">
+          <a:xfrm>
+            <a:off x="1651800" y="762480"/>
+            <a:ext cx="8888400" cy="5333040"/>
+          </a:xfrm>
+          <a:prstGeom prst="rect">
+            <a:avLst/>
+          </a:prstGeom>
+          <a:noFill/>
+          <a:extLst>
+            <a:ext uri="{909E8E84-426E-40DD-AFC4-6F175D3DCCD1}">
+              <a14:hiddenFill xmlns:a14="http://schemas.microsoft.com/office/drawing/2010/main">
+                <a:solidFill>
+                  <a:srgbClr val="FFFFFF"/>
+                </a:solidFill>
+              </a14:hiddenFill>
+            </a:ext>
+          </a:extLst>
+        </p:spPr>
+      </p:pic>
+    </p:spTree>
+    <p:extLst>
+      <p:ext uri="{BB962C8B-B14F-4D97-AF65-F5344CB8AC3E}">
+        <p14:creationId xmlns:p14="http://schemas.microsoft.com/office/powerpoint/2010/main" val="717108075"/>
+      </p:ext>
+    </p:extLst>
+  </p:cSld>
+  <p:clrMapOvr>
+    <a:masterClrMapping/>
+  </p:clrMapOvr>
+</p:sld>
+</file>
+
+<file path=ppt/slides/slide16.xml><?xml version="1.0" encoding="utf-8"?>
+<p:sld xmlns:a="http://schemas.openxmlformats.org/drawingml/2006/main" xmlns:r="http://schemas.openxmlformats.org/officeDocument/2006/relationships" xmlns:p="http://schemas.openxmlformats.org/presentationml/2006/main">
+  <p:cSld>
+    <p:spTree>
+      <p:nvGrpSpPr>
+        <p:cNvPr id="1" name=""/>
+        <p:cNvGrpSpPr/>
+        <p:nvPr/>
+      </p:nvGrpSpPr>
+      <p:grpSpPr>
+        <a:xfrm>
+          <a:off x="0" y="0"/>
+          <a:ext cx="0" cy="0"/>
+          <a:chOff x="0" y="0"/>
+          <a:chExt cx="0" cy="0"/>
+        </a:xfrm>
+      </p:grpSpPr>
+      <p:pic>
+        <p:nvPicPr>
+          <p:cNvPr id="4098" name="Picture 2" descr="123456“ und „password“ beliebteste Passwörter im World Wide Web -  ingenieur.de">
+            <a:extLst>
+              <a:ext uri="{FF2B5EF4-FFF2-40B4-BE49-F238E27FC236}">
+                <a16:creationId xmlns:a16="http://schemas.microsoft.com/office/drawing/2014/main" id="{D6BCD79E-AD3B-1042-8EA9-29D5B32897F5}"/>
+              </a:ext>
+            </a:extLst>
+          </p:cNvPr>
+          <p:cNvPicPr>
+            <a:picLocks noChangeAspect="1" noChangeArrowheads="1"/>
+          </p:cNvPicPr>
+          <p:nvPr/>
+        </p:nvPicPr>
+        <p:blipFill>
+          <a:blip r:embed="rId3">
+            <a:extLst>
+              <a:ext uri="{28A0092B-C50C-407E-A947-70E740481C1C}">
+                <a14:useLocalDpi xmlns:a14="http://schemas.microsoft.com/office/drawing/2010/main" val="0"/>
+              </a:ext>
+            </a:extLst>
+          </a:blip>
+          <a:srcRect/>
+          <a:stretch>
+            <a:fillRect/>
+          </a:stretch>
+        </p:blipFill>
+        <p:spPr bwMode="auto">
+          <a:xfrm>
+            <a:off x="1651800" y="1206900"/>
+            <a:ext cx="8888400" cy="4444200"/>
+          </a:xfrm>
+          <a:prstGeom prst="rect">
+            <a:avLst/>
+          </a:prstGeom>
+          <a:noFill/>
+          <a:extLst>
+            <a:ext uri="{909E8E84-426E-40DD-AFC4-6F175D3DCCD1}">
+              <a14:hiddenFill xmlns:a14="http://schemas.microsoft.com/office/drawing/2010/main">
+                <a:solidFill>
+                  <a:srgbClr val="FFFFFF"/>
+                </a:solidFill>
+              </a14:hiddenFill>
+            </a:ext>
+          </a:extLst>
+        </p:spPr>
+      </p:pic>
+    </p:spTree>
+    <p:extLst>
+      <p:ext uri="{BB962C8B-B14F-4D97-AF65-F5344CB8AC3E}">
+        <p14:creationId xmlns:p14="http://schemas.microsoft.com/office/powerpoint/2010/main" val="3293051051"/>
+      </p:ext>
+    </p:extLst>
+  </p:cSld>
+  <p:clrMapOvr>
+    <a:masterClrMapping/>
+  </p:clrMapOvr>
+</p:sld>
+</file>
+
+<file path=ppt/slides/slide17.xml><?xml version="1.0" encoding="utf-8"?>
+<p:sld xmlns:a="http://schemas.openxmlformats.org/drawingml/2006/main" xmlns:r="http://schemas.openxmlformats.org/officeDocument/2006/relationships" xmlns:p="http://schemas.openxmlformats.org/presentationml/2006/main">
+  <p:cSld>
+    <p:bg>
+      <p:bgPr>
+        <a:solidFill>
+          <a:srgbClr val="F3DE01"/>
+        </a:solidFill>
+        <a:effectLst/>
+      </p:bgPr>
+    </p:bg>
+    <p:spTree>
+      <p:nvGrpSpPr>
+        <p:cNvPr id="1" name=""/>
+        <p:cNvGrpSpPr/>
+        <p:nvPr/>
+      </p:nvGrpSpPr>
+      <p:grpSpPr>
+        <a:xfrm>
+          <a:off x="0" y="0"/>
+          <a:ext cx="0" cy="0"/>
+          <a:chOff x="0" y="0"/>
+          <a:chExt cx="0" cy="0"/>
+        </a:xfrm>
+      </p:grpSpPr>
+      <p:pic>
+        <p:nvPicPr>
+          <p:cNvPr id="6" name="Grafik 5">
+            <a:extLst>
+              <a:ext uri="{FF2B5EF4-FFF2-40B4-BE49-F238E27FC236}">
+                <a16:creationId xmlns:a16="http://schemas.microsoft.com/office/drawing/2014/main" id="{699B579E-7BBE-1344-AA67-B72F5DFE75C2}"/>
+              </a:ext>
+            </a:extLst>
+          </p:cNvPr>
+          <p:cNvPicPr>
+            <a:picLocks noChangeAspect="1"/>
+          </p:cNvPicPr>
+          <p:nvPr/>
+        </p:nvPicPr>
+        <p:blipFill>
+          <a:blip r:embed="rId2"/>
+          <a:stretch>
+            <a:fillRect/>
+          </a:stretch>
+        </p:blipFill>
+        <p:spPr>
+          <a:xfrm>
+            <a:off x="-1" y="316992"/>
+            <a:ext cx="12192001" cy="6858000"/>
+          </a:xfrm>
+          <a:prstGeom prst="rect">
+            <a:avLst/>
+          </a:prstGeom>
+          <a:ln>
+            <a:noFill/>
+          </a:ln>
+        </p:spPr>
+      </p:pic>
+      <p:sp>
+        <p:nvSpPr>
+          <p:cNvPr id="4" name="Textfeld 3">
+            <a:extLst>
+              <a:ext uri="{FF2B5EF4-FFF2-40B4-BE49-F238E27FC236}">
+                <a16:creationId xmlns:a16="http://schemas.microsoft.com/office/drawing/2014/main" id="{A5DD2CBB-A90C-5E4E-AA88-B953B7DC0954}"/>
+              </a:ext>
+            </a:extLst>
+          </p:cNvPr>
+          <p:cNvSpPr txBox="1"/>
+          <p:nvPr/>
+        </p:nvSpPr>
+        <p:spPr>
+          <a:xfrm>
+            <a:off x="3822492" y="3102964"/>
+            <a:ext cx="4047344" cy="369332"/>
+          </a:xfrm>
+          <a:prstGeom prst="rect">
+            <a:avLst/>
+          </a:prstGeom>
+          <a:noFill/>
+        </p:spPr>
+        <p:txBody>
+          <a:bodyPr wrap="square" rtlCol="0">
+            <a:spAutoFit/>
+          </a:bodyPr>
+          <a:lstStyle/>
+          <a:p>
+            <a:r>
+              <a:rPr lang="en-AU" dirty="0"/>
+              <a:t>Animation</a:t>
+            </a:r>
+          </a:p>
+        </p:txBody>
+      </p:sp>
+    </p:spTree>
+    <p:extLst>
+      <p:ext uri="{BB962C8B-B14F-4D97-AF65-F5344CB8AC3E}">
+        <p14:creationId xmlns:p14="http://schemas.microsoft.com/office/powerpoint/2010/main" val="760364571"/>
+      </p:ext>
+    </p:extLst>
+  </p:cSld>
+  <p:clrMapOvr>
+    <a:masterClrMapping/>
+  </p:clrMapOvr>
+</p:sld>
+</file>
+
+<file path=ppt/slides/slide18.xml><?xml version="1.0" encoding="utf-8"?>
+<p:sld xmlns:a="http://schemas.openxmlformats.org/drawingml/2006/main" xmlns:r="http://schemas.openxmlformats.org/officeDocument/2006/relationships" xmlns:p="http://schemas.openxmlformats.org/presentationml/2006/main">
+  <p:cSld>
+    <p:spTree>
+      <p:nvGrpSpPr>
+        <p:cNvPr id="1" name=""/>
+        <p:cNvGrpSpPr/>
+        <p:nvPr/>
+      </p:nvGrpSpPr>
+      <p:grpSpPr>
+        <a:xfrm>
+          <a:off x="0" y="0"/>
+          <a:ext cx="0" cy="0"/>
+          <a:chOff x="0" y="0"/>
+          <a:chExt cx="0" cy="0"/>
+        </a:xfrm>
+      </p:grpSpPr>
       <p:sp>
         <p:nvSpPr>
           <p:cNvPr id="4" name="Oval 3">
@@ -3437,7 +5259,7 @@
     </p:spTree>
     <p:extLst>
       <p:ext uri="{BB962C8B-B14F-4D97-AF65-F5344CB8AC3E}">
-        <p14:creationId xmlns:p14="http://schemas.microsoft.com/office/powerpoint/2010/main" val="845030629"/>
+        <p14:creationId xmlns:p14="http://schemas.microsoft.com/office/powerpoint/2010/main" val="1891611382"/>
       </p:ext>
     </p:extLst>
   </p:cSld>
@@ -3450,14 +5272,6 @@
 <file path=ppt/slides/slide2.xml><?xml version="1.0" encoding="utf-8"?>
 <p:sld xmlns:a="http://schemas.openxmlformats.org/drawingml/2006/main" xmlns:r="http://schemas.openxmlformats.org/officeDocument/2006/relationships" xmlns:p="http://schemas.openxmlformats.org/presentationml/2006/main">
   <p:cSld>
-    <p:bg>
-      <p:bgPr>
-        <a:solidFill>
-          <a:srgbClr val="F3DE01"/>
-        </a:solidFill>
-        <a:effectLst/>
-      </p:bgPr>
-    </p:bg>
     <p:spTree>
       <p:nvGrpSpPr>
         <p:cNvPr id="1" name=""/>
@@ -3474,10 +5288,501 @@
       </p:grpSpPr>
       <p:pic>
         <p:nvPicPr>
-          <p:cNvPr id="6" name="Grafik 5">
-            <a:extLst>
-              <a:ext uri="{FF2B5EF4-FFF2-40B4-BE49-F238E27FC236}">
-                <a16:creationId xmlns:a16="http://schemas.microsoft.com/office/drawing/2014/main" id="{699B579E-7BBE-1344-AA67-B72F5DFE75C2}"/>
+          <p:cNvPr id="1026" name="Picture 2" descr="Erste Log4Shell-Bilanz - it-daily.net">
+            <a:extLst>
+              <a:ext uri="{FF2B5EF4-FFF2-40B4-BE49-F238E27FC236}">
+                <a16:creationId xmlns:a16="http://schemas.microsoft.com/office/drawing/2014/main" id="{3BAA4BDE-D025-7548-87B7-9AED15B4A6DD}"/>
+              </a:ext>
+            </a:extLst>
+          </p:cNvPr>
+          <p:cNvPicPr>
+            <a:picLocks noChangeAspect="1" noChangeArrowheads="1"/>
+          </p:cNvPicPr>
+          <p:nvPr/>
+        </p:nvPicPr>
+        <p:blipFill>
+          <a:blip r:embed="rId2">
+            <a:extLst>
+              <a:ext uri="{28A0092B-C50C-407E-A947-70E740481C1C}">
+                <a14:useLocalDpi xmlns:a14="http://schemas.microsoft.com/office/drawing/2010/main" val="0"/>
+              </a:ext>
+            </a:extLst>
+          </a:blip>
+          <a:srcRect/>
+          <a:stretch>
+            <a:fillRect/>
+          </a:stretch>
+        </p:blipFill>
+        <p:spPr bwMode="auto">
+          <a:xfrm>
+            <a:off x="1651000" y="889000"/>
+            <a:ext cx="8888400" cy="5079086"/>
+          </a:xfrm>
+          <a:prstGeom prst="rect">
+            <a:avLst/>
+          </a:prstGeom>
+          <a:noFill/>
+          <a:extLst>
+            <a:ext uri="{909E8E84-426E-40DD-AFC4-6F175D3DCCD1}">
+              <a14:hiddenFill xmlns:a14="http://schemas.microsoft.com/office/drawing/2010/main">
+                <a:solidFill>
+                  <a:srgbClr val="FFFFFF"/>
+                </a:solidFill>
+              </a14:hiddenFill>
+            </a:ext>
+          </a:extLst>
+        </p:spPr>
+      </p:pic>
+    </p:spTree>
+    <p:extLst>
+      <p:ext uri="{BB962C8B-B14F-4D97-AF65-F5344CB8AC3E}">
+        <p14:creationId xmlns:p14="http://schemas.microsoft.com/office/powerpoint/2010/main" val="782018453"/>
+      </p:ext>
+    </p:extLst>
+  </p:cSld>
+  <p:clrMapOvr>
+    <a:masterClrMapping/>
+  </p:clrMapOvr>
+</p:sld>
+</file>
+
+<file path=ppt/slides/slide3.xml><?xml version="1.0" encoding="utf-8"?>
+<p:sld xmlns:a="http://schemas.openxmlformats.org/drawingml/2006/main" xmlns:r="http://schemas.openxmlformats.org/officeDocument/2006/relationships" xmlns:p="http://schemas.openxmlformats.org/presentationml/2006/main">
+  <p:cSld>
+    <p:spTree>
+      <p:nvGrpSpPr>
+        <p:cNvPr id="1" name=""/>
+        <p:cNvGrpSpPr/>
+        <p:nvPr/>
+      </p:nvGrpSpPr>
+      <p:grpSpPr>
+        <a:xfrm>
+          <a:off x="0" y="0"/>
+          <a:ext cx="0" cy="0"/>
+          <a:chOff x="0" y="0"/>
+          <a:chExt cx="0" cy="0"/>
+        </a:xfrm>
+      </p:grpSpPr>
+      <p:sp>
+        <p:nvSpPr>
+          <p:cNvPr id="2" name="Textfeld 1">
+            <a:extLst>
+              <a:ext uri="{FF2B5EF4-FFF2-40B4-BE49-F238E27FC236}">
+                <a16:creationId xmlns:a16="http://schemas.microsoft.com/office/drawing/2014/main" id="{1C88616E-4881-B449-B1FA-7AD2BFDDAD0E}"/>
+              </a:ext>
+            </a:extLst>
+          </p:cNvPr>
+          <p:cNvSpPr txBox="1"/>
+          <p:nvPr/>
+        </p:nvSpPr>
+        <p:spPr>
+          <a:xfrm>
+            <a:off x="3822492" y="3102964"/>
+            <a:ext cx="4047344" cy="369332"/>
+          </a:xfrm>
+          <a:prstGeom prst="rect">
+            <a:avLst/>
+          </a:prstGeom>
+          <a:noFill/>
+        </p:spPr>
+        <p:txBody>
+          <a:bodyPr wrap="square" rtlCol="0">
+            <a:spAutoFit/>
+          </a:bodyPr>
+          <a:lstStyle/>
+          <a:p>
+            <a:r>
+              <a:rPr lang="en-AU" dirty="0"/>
+              <a:t>CVE</a:t>
+            </a:r>
+          </a:p>
+        </p:txBody>
+      </p:sp>
+    </p:spTree>
+    <p:extLst>
+      <p:ext uri="{BB962C8B-B14F-4D97-AF65-F5344CB8AC3E}">
+        <p14:creationId xmlns:p14="http://schemas.microsoft.com/office/powerpoint/2010/main" val="4235657256"/>
+      </p:ext>
+    </p:extLst>
+  </p:cSld>
+  <p:clrMapOvr>
+    <a:masterClrMapping/>
+  </p:clrMapOvr>
+</p:sld>
+</file>
+
+<file path=ppt/slides/slide4.xml><?xml version="1.0" encoding="utf-8"?>
+<p:sld xmlns:a="http://schemas.openxmlformats.org/drawingml/2006/main" xmlns:r="http://schemas.openxmlformats.org/officeDocument/2006/relationships" xmlns:p="http://schemas.openxmlformats.org/presentationml/2006/main">
+  <p:cSld>
+    <p:spTree>
+      <p:nvGrpSpPr>
+        <p:cNvPr id="1" name=""/>
+        <p:cNvGrpSpPr/>
+        <p:nvPr/>
+      </p:nvGrpSpPr>
+      <p:grpSpPr>
+        <a:xfrm>
+          <a:off x="0" y="0"/>
+          <a:ext cx="0" cy="0"/>
+          <a:chOff x="0" y="0"/>
+          <a:chExt cx="0" cy="0"/>
+        </a:xfrm>
+      </p:grpSpPr>
+      <p:sp>
+        <p:nvSpPr>
+          <p:cNvPr id="4" name="Textfeld 3">
+            <a:extLst>
+              <a:ext uri="{FF2B5EF4-FFF2-40B4-BE49-F238E27FC236}">
+                <a16:creationId xmlns:a16="http://schemas.microsoft.com/office/drawing/2014/main" id="{67ACAD1F-6928-AB43-A2FB-7AD25F28E8EA}"/>
+              </a:ext>
+            </a:extLst>
+          </p:cNvPr>
+          <p:cNvSpPr txBox="1"/>
+          <p:nvPr/>
+        </p:nvSpPr>
+        <p:spPr>
+          <a:xfrm>
+            <a:off x="3822492" y="3102964"/>
+            <a:ext cx="4047344" cy="369332"/>
+          </a:xfrm>
+          <a:prstGeom prst="rect">
+            <a:avLst/>
+          </a:prstGeom>
+          <a:noFill/>
+        </p:spPr>
+        <p:txBody>
+          <a:bodyPr wrap="square" rtlCol="0">
+            <a:spAutoFit/>
+          </a:bodyPr>
+          <a:lstStyle/>
+          <a:p>
+            <a:r>
+              <a:rPr lang="en-AU" dirty="0"/>
+              <a:t>CVE</a:t>
+            </a:r>
+          </a:p>
+        </p:txBody>
+      </p:sp>
+    </p:spTree>
+    <p:extLst>
+      <p:ext uri="{BB962C8B-B14F-4D97-AF65-F5344CB8AC3E}">
+        <p14:creationId xmlns:p14="http://schemas.microsoft.com/office/powerpoint/2010/main" val="3178473558"/>
+      </p:ext>
+    </p:extLst>
+  </p:cSld>
+  <p:clrMapOvr>
+    <a:masterClrMapping/>
+  </p:clrMapOvr>
+</p:sld>
+</file>
+
+<file path=ppt/slides/slide5.xml><?xml version="1.0" encoding="utf-8"?>
+<p:sld xmlns:a="http://schemas.openxmlformats.org/drawingml/2006/main" xmlns:r="http://schemas.openxmlformats.org/officeDocument/2006/relationships" xmlns:p="http://schemas.openxmlformats.org/presentationml/2006/main">
+  <p:cSld>
+    <p:spTree>
+      <p:nvGrpSpPr>
+        <p:cNvPr id="1" name=""/>
+        <p:cNvGrpSpPr/>
+        <p:nvPr/>
+      </p:nvGrpSpPr>
+      <p:grpSpPr>
+        <a:xfrm>
+          <a:off x="0" y="0"/>
+          <a:ext cx="0" cy="0"/>
+          <a:chOff x="0" y="0"/>
+          <a:chExt cx="0" cy="0"/>
+        </a:xfrm>
+      </p:grpSpPr>
+      <p:sp>
+        <p:nvSpPr>
+          <p:cNvPr id="2" name="Textfeld 1">
+            <a:extLst>
+              <a:ext uri="{FF2B5EF4-FFF2-40B4-BE49-F238E27FC236}">
+                <a16:creationId xmlns:a16="http://schemas.microsoft.com/office/drawing/2014/main" id="{830E7785-1E64-C348-B663-584330F8CA14}"/>
+              </a:ext>
+            </a:extLst>
+          </p:cNvPr>
+          <p:cNvSpPr txBox="1"/>
+          <p:nvPr/>
+        </p:nvSpPr>
+        <p:spPr>
+          <a:xfrm>
+            <a:off x="3822492" y="3102964"/>
+            <a:ext cx="4047344" cy="369332"/>
+          </a:xfrm>
+          <a:prstGeom prst="rect">
+            <a:avLst/>
+          </a:prstGeom>
+          <a:noFill/>
+        </p:spPr>
+        <p:txBody>
+          <a:bodyPr wrap="square" rtlCol="0">
+            <a:spAutoFit/>
+          </a:bodyPr>
+          <a:lstStyle/>
+          <a:p>
+            <a:r>
+              <a:rPr lang="en-AU" dirty="0"/>
+              <a:t>CVE</a:t>
+            </a:r>
+          </a:p>
+        </p:txBody>
+      </p:sp>
+    </p:spTree>
+    <p:extLst>
+      <p:ext uri="{BB962C8B-B14F-4D97-AF65-F5344CB8AC3E}">
+        <p14:creationId xmlns:p14="http://schemas.microsoft.com/office/powerpoint/2010/main" val="950545711"/>
+      </p:ext>
+    </p:extLst>
+  </p:cSld>
+  <p:clrMapOvr>
+    <a:masterClrMapping/>
+  </p:clrMapOvr>
+</p:sld>
+</file>
+
+<file path=ppt/slides/slide6.xml><?xml version="1.0" encoding="utf-8"?>
+<p:sld xmlns:a="http://schemas.openxmlformats.org/drawingml/2006/main" xmlns:r="http://schemas.openxmlformats.org/officeDocument/2006/relationships" xmlns:p="http://schemas.openxmlformats.org/presentationml/2006/main">
+  <p:cSld>
+    <p:spTree>
+      <p:nvGrpSpPr>
+        <p:cNvPr id="1" name=""/>
+        <p:cNvGrpSpPr/>
+        <p:nvPr/>
+      </p:nvGrpSpPr>
+      <p:grpSpPr>
+        <a:xfrm>
+          <a:off x="0" y="0"/>
+          <a:ext cx="0" cy="0"/>
+          <a:chOff x="0" y="0"/>
+          <a:chExt cx="0" cy="0"/>
+        </a:xfrm>
+      </p:grpSpPr>
+      <p:sp>
+        <p:nvSpPr>
+          <p:cNvPr id="2" name="Textfeld 1">
+            <a:extLst>
+              <a:ext uri="{FF2B5EF4-FFF2-40B4-BE49-F238E27FC236}">
+                <a16:creationId xmlns:a16="http://schemas.microsoft.com/office/drawing/2014/main" id="{81674A2F-FFC6-2548-97B5-24482E4470EB}"/>
+              </a:ext>
+            </a:extLst>
+          </p:cNvPr>
+          <p:cNvSpPr txBox="1"/>
+          <p:nvPr/>
+        </p:nvSpPr>
+        <p:spPr>
+          <a:xfrm>
+            <a:off x="3822492" y="3102964"/>
+            <a:ext cx="4047344" cy="369332"/>
+          </a:xfrm>
+          <a:prstGeom prst="rect">
+            <a:avLst/>
+          </a:prstGeom>
+          <a:noFill/>
+        </p:spPr>
+        <p:txBody>
+          <a:bodyPr wrap="square" rtlCol="0">
+            <a:spAutoFit/>
+          </a:bodyPr>
+          <a:lstStyle/>
+          <a:p>
+            <a:r>
+              <a:rPr lang="en-AU" dirty="0"/>
+              <a:t>CVE</a:t>
+            </a:r>
+          </a:p>
+        </p:txBody>
+      </p:sp>
+    </p:spTree>
+    <p:extLst>
+      <p:ext uri="{BB962C8B-B14F-4D97-AF65-F5344CB8AC3E}">
+        <p14:creationId xmlns:p14="http://schemas.microsoft.com/office/powerpoint/2010/main" val="2632904897"/>
+      </p:ext>
+    </p:extLst>
+  </p:cSld>
+  <p:clrMapOvr>
+    <a:masterClrMapping/>
+  </p:clrMapOvr>
+</p:sld>
+</file>
+
+<file path=ppt/slides/slide7.xml><?xml version="1.0" encoding="utf-8"?>
+<p:sld xmlns:a="http://schemas.openxmlformats.org/drawingml/2006/main" xmlns:r="http://schemas.openxmlformats.org/officeDocument/2006/relationships" xmlns:p="http://schemas.openxmlformats.org/presentationml/2006/main">
+  <p:cSld>
+    <p:spTree>
+      <p:nvGrpSpPr>
+        <p:cNvPr id="1" name=""/>
+        <p:cNvGrpSpPr/>
+        <p:nvPr/>
+      </p:nvGrpSpPr>
+      <p:grpSpPr>
+        <a:xfrm>
+          <a:off x="0" y="0"/>
+          <a:ext cx="0" cy="0"/>
+          <a:chOff x="0" y="0"/>
+          <a:chExt cx="0" cy="0"/>
+        </a:xfrm>
+      </p:grpSpPr>
+      <p:pic>
+        <p:nvPicPr>
+          <p:cNvPr id="5122" name="Picture 2" descr="Cyber-Angriff auf Easygov - Hacker klauen vom Bund Liste mit  Corona-Kredit-Bezügern - News - SRF">
+            <a:extLst>
+              <a:ext uri="{FF2B5EF4-FFF2-40B4-BE49-F238E27FC236}">
+                <a16:creationId xmlns:a16="http://schemas.microsoft.com/office/drawing/2014/main" id="{7079373C-E7BD-3948-829A-F72F02241E49}"/>
+              </a:ext>
+            </a:extLst>
+          </p:cNvPr>
+          <p:cNvPicPr>
+            <a:picLocks noChangeAspect="1" noChangeArrowheads="1"/>
+          </p:cNvPicPr>
+          <p:nvPr/>
+        </p:nvPicPr>
+        <p:blipFill>
+          <a:blip r:embed="rId3">
+            <a:extLst>
+              <a:ext uri="{28A0092B-C50C-407E-A947-70E740481C1C}">
+                <a14:useLocalDpi xmlns:a14="http://schemas.microsoft.com/office/drawing/2010/main" val="0"/>
+              </a:ext>
+            </a:extLst>
+          </a:blip>
+          <a:srcRect/>
+          <a:stretch>
+            <a:fillRect/>
+          </a:stretch>
+        </p:blipFill>
+        <p:spPr bwMode="auto">
+          <a:xfrm>
+            <a:off x="1066800" y="600075"/>
+            <a:ext cx="10058400" cy="5657850"/>
+          </a:xfrm>
+          <a:prstGeom prst="rect">
+            <a:avLst/>
+          </a:prstGeom>
+          <a:noFill/>
+          <a:extLst>
+            <a:ext uri="{909E8E84-426E-40DD-AFC4-6F175D3DCCD1}">
+              <a14:hiddenFill xmlns:a14="http://schemas.microsoft.com/office/drawing/2010/main">
+                <a:solidFill>
+                  <a:srgbClr val="FFFFFF"/>
+                </a:solidFill>
+              </a14:hiddenFill>
+            </a:ext>
+          </a:extLst>
+        </p:spPr>
+      </p:pic>
+    </p:spTree>
+    <p:extLst>
+      <p:ext uri="{BB962C8B-B14F-4D97-AF65-F5344CB8AC3E}">
+        <p14:creationId xmlns:p14="http://schemas.microsoft.com/office/powerpoint/2010/main" val="439887428"/>
+      </p:ext>
+    </p:extLst>
+  </p:cSld>
+  <p:clrMapOvr>
+    <a:masterClrMapping/>
+  </p:clrMapOvr>
+</p:sld>
+</file>
+
+<file path=ppt/slides/slide8.xml><?xml version="1.0" encoding="utf-8"?>
+<p:sld xmlns:a="http://schemas.openxmlformats.org/drawingml/2006/main" xmlns:r="http://schemas.openxmlformats.org/officeDocument/2006/relationships" xmlns:p="http://schemas.openxmlformats.org/presentationml/2006/main">
+  <p:cSld>
+    <p:spTree>
+      <p:nvGrpSpPr>
+        <p:cNvPr id="1" name=""/>
+        <p:cNvGrpSpPr/>
+        <p:nvPr/>
+      </p:nvGrpSpPr>
+      <p:grpSpPr>
+        <a:xfrm>
+          <a:off x="0" y="0"/>
+          <a:ext cx="0" cy="0"/>
+          <a:chOff x="0" y="0"/>
+          <a:chExt cx="0" cy="0"/>
+        </a:xfrm>
+      </p:grpSpPr>
+      <p:pic>
+        <p:nvPicPr>
+          <p:cNvPr id="6146" name="Picture 2" descr="Nach Mellingen: So gefährlich sind Hackerangriffe auf Gemeinden">
+            <a:extLst>
+              <a:ext uri="{FF2B5EF4-FFF2-40B4-BE49-F238E27FC236}">
+                <a16:creationId xmlns:a16="http://schemas.microsoft.com/office/drawing/2014/main" id="{76C0A64D-49B0-BA46-946A-948126C85449}"/>
+              </a:ext>
+            </a:extLst>
+          </p:cNvPr>
+          <p:cNvPicPr>
+            <a:picLocks noChangeArrowheads="1"/>
+          </p:cNvPicPr>
+          <p:nvPr/>
+        </p:nvPicPr>
+        <p:blipFill>
+          <a:blip r:embed="rId3">
+            <a:extLst>
+              <a:ext uri="{28A0092B-C50C-407E-A947-70E740481C1C}">
+                <a14:useLocalDpi xmlns:a14="http://schemas.microsoft.com/office/drawing/2010/main" val="0"/>
+              </a:ext>
+            </a:extLst>
+          </a:blip>
+          <a:srcRect/>
+          <a:stretch>
+            <a:fillRect/>
+          </a:stretch>
+        </p:blipFill>
+        <p:spPr bwMode="auto">
+          <a:xfrm>
+            <a:off x="1066800" y="599400"/>
+            <a:ext cx="10058400" cy="5659200"/>
+          </a:xfrm>
+          <a:prstGeom prst="rect">
+            <a:avLst/>
+          </a:prstGeom>
+          <a:noFill/>
+          <a:extLst>
+            <a:ext uri="{909E8E84-426E-40DD-AFC4-6F175D3DCCD1}">
+              <a14:hiddenFill xmlns:a14="http://schemas.microsoft.com/office/drawing/2010/main">
+                <a:solidFill>
+                  <a:srgbClr val="FFFFFF"/>
+                </a:solidFill>
+              </a14:hiddenFill>
+            </a:ext>
+          </a:extLst>
+        </p:spPr>
+      </p:pic>
+    </p:spTree>
+    <p:extLst>
+      <p:ext uri="{BB962C8B-B14F-4D97-AF65-F5344CB8AC3E}">
+        <p14:creationId xmlns:p14="http://schemas.microsoft.com/office/powerpoint/2010/main" val="343885266"/>
+      </p:ext>
+    </p:extLst>
+  </p:cSld>
+  <p:clrMapOvr>
+    <a:masterClrMapping/>
+  </p:clrMapOvr>
+</p:sld>
+</file>
+
+<file path=ppt/slides/slide9.xml><?xml version="1.0" encoding="utf-8"?>
+<p:sld xmlns:a="http://schemas.openxmlformats.org/drawingml/2006/main" xmlns:r="http://schemas.openxmlformats.org/officeDocument/2006/relationships" xmlns:p="http://schemas.openxmlformats.org/presentationml/2006/main">
+  <p:cSld>
+    <p:spTree>
+      <p:nvGrpSpPr>
+        <p:cNvPr id="1" name=""/>
+        <p:cNvGrpSpPr/>
+        <p:nvPr/>
+      </p:nvGrpSpPr>
+      <p:grpSpPr>
+        <a:xfrm>
+          <a:off x="0" y="0"/>
+          <a:ext cx="0" cy="0"/>
+          <a:chOff x="0" y="0"/>
+          <a:chExt cx="0" cy="0"/>
+        </a:xfrm>
+      </p:grpSpPr>
+      <p:pic>
+        <p:nvPicPr>
+          <p:cNvPr id="5" name="Grafik 4" descr="Ein Bild, das Text enthält.&#10;&#10;Automatisch generierte Beschreibung">
+            <a:extLst>
+              <a:ext uri="{FF2B5EF4-FFF2-40B4-BE49-F238E27FC236}">
+                <a16:creationId xmlns:a16="http://schemas.microsoft.com/office/drawing/2014/main" id="{296935C1-A974-CB4F-8012-F1A48F2B1F01}"/>
               </a:ext>
             </a:extLst>
           </p:cNvPr>
@@ -3487,28 +5792,25 @@
           <p:nvPr/>
         </p:nvPicPr>
         <p:blipFill>
-          <a:blip r:embed="rId2"/>
+          <a:blip r:embed="rId3"/>
           <a:stretch>
             <a:fillRect/>
           </a:stretch>
         </p:blipFill>
         <p:spPr>
           <a:xfrm>
-            <a:off x="-1" y="0"/>
-            <a:ext cx="12192001" cy="6858000"/>
+            <a:off x="1066800" y="869950"/>
+            <a:ext cx="10058400" cy="5118100"/>
           </a:xfrm>
           <a:prstGeom prst="rect">
             <a:avLst/>
           </a:prstGeom>
-          <a:ln>
-            <a:noFill/>
-          </a:ln>
         </p:spPr>
       </p:pic>
     </p:spTree>
     <p:extLst>
       <p:ext uri="{BB962C8B-B14F-4D97-AF65-F5344CB8AC3E}">
-        <p14:creationId xmlns:p14="http://schemas.microsoft.com/office/powerpoint/2010/main" val="760364571"/>
+        <p14:creationId xmlns:p14="http://schemas.microsoft.com/office/powerpoint/2010/main" val="689832750"/>
       </p:ext>
     </p:extLst>
   </p:cSld>
@@ -3811,4 +6113,299 @@
     </a:ext>
   </a:extLst>
 </a:theme>
+</file>
+
+<file path=ppt/theme/theme2.xml><?xml version="1.0" encoding="utf-8"?>
+<a:theme xmlns:a="http://schemas.openxmlformats.org/drawingml/2006/main" name="Office">
+  <a:themeElements>
+    <a:clrScheme name="Office">
+      <a:dk1>
+        <a:sysClr val="windowText" lastClr="000000"/>
+      </a:dk1>
+      <a:lt1>
+        <a:sysClr val="window" lastClr="FFFFFF"/>
+      </a:lt1>
+      <a:dk2>
+        <a:srgbClr val="44546A"/>
+      </a:dk2>
+      <a:lt2>
+        <a:srgbClr val="E7E6E6"/>
+      </a:lt2>
+      <a:accent1>
+        <a:srgbClr val="4472C4"/>
+      </a:accent1>
+      <a:accent2>
+        <a:srgbClr val="ED7D31"/>
+      </a:accent2>
+      <a:accent3>
+        <a:srgbClr val="A5A5A5"/>
+      </a:accent3>
+      <a:accent4>
+        <a:srgbClr val="FFC000"/>
+      </a:accent4>
+      <a:accent5>
+        <a:srgbClr val="5B9BD5"/>
+      </a:accent5>
+      <a:accent6>
+        <a:srgbClr val="70AD47"/>
+      </a:accent6>
+      <a:hlink>
+        <a:srgbClr val="0563C1"/>
+      </a:hlink>
+      <a:folHlink>
+        <a:srgbClr val="954F72"/>
+      </a:folHlink>
+    </a:clrScheme>
+    <a:fontScheme name="Office">
+      <a:majorFont>
+        <a:latin typeface="Calibri Light" panose="020F0302020204030204"/>
+        <a:ea typeface=""/>
+        <a:cs typeface=""/>
+        <a:font script="Jpan" typeface="游ゴシック Light"/>
+        <a:font script="Hang" typeface="맑은 고딕"/>
+        <a:font script="Hans" typeface="等线 Light"/>
+        <a:font script="Hant" typeface="新細明體"/>
+        <a:font script="Arab" typeface="Times New Roman"/>
+        <a:font script="Hebr" typeface="Times New Roman"/>
+        <a:font script="Thai" typeface="Angsana New"/>
+        <a:font script="Ethi" typeface="Nyala"/>
+        <a:font script="Beng" typeface="Vrinda"/>
+        <a:font script="Gujr" typeface="Shruti"/>
+        <a:font script="Khmr" typeface="MoolBoran"/>
+        <a:font script="Knda" typeface="Tunga"/>
+        <a:font script="Guru" typeface="Raavi"/>
+        <a:font script="Cans" typeface="Euphemia"/>
+        <a:font script="Cher" typeface="Plantagenet Cherokee"/>
+        <a:font script="Yiii" typeface="Microsoft Yi Baiti"/>
+        <a:font script="Tibt" typeface="Microsoft Himalaya"/>
+        <a:font script="Thaa" typeface="MV Boli"/>
+        <a:font script="Deva" typeface="Mangal"/>
+        <a:font script="Telu" typeface="Gautami"/>
+        <a:font script="Taml" typeface="Latha"/>
+        <a:font script="Syrc" typeface="Estrangelo Edessa"/>
+        <a:font script="Orya" typeface="Kalinga"/>
+        <a:font script="Mlym" typeface="Kartika"/>
+        <a:font script="Laoo" typeface="DokChampa"/>
+        <a:font script="Sinh" typeface="Iskoola Pota"/>
+        <a:font script="Mong" typeface="Mongolian Baiti"/>
+        <a:font script="Viet" typeface="Times New Roman"/>
+        <a:font script="Uigh" typeface="Microsoft Uighur"/>
+        <a:font script="Geor" typeface="Sylfaen"/>
+        <a:font script="Armn" typeface="Arial"/>
+        <a:font script="Bugi" typeface="Leelawadee UI"/>
+        <a:font script="Bopo" typeface="Microsoft JhengHei"/>
+        <a:font script="Java" typeface="Javanese Text"/>
+        <a:font script="Lisu" typeface="Segoe UI"/>
+        <a:font script="Mymr" typeface="Myanmar Text"/>
+        <a:font script="Nkoo" typeface="Ebrima"/>
+        <a:font script="Olck" typeface="Nirmala UI"/>
+        <a:font script="Osma" typeface="Ebrima"/>
+        <a:font script="Phag" typeface="Phagspa"/>
+        <a:font script="Syrn" typeface="Estrangelo Edessa"/>
+        <a:font script="Syrj" typeface="Estrangelo Edessa"/>
+        <a:font script="Syre" typeface="Estrangelo Edessa"/>
+        <a:font script="Sora" typeface="Nirmala UI"/>
+        <a:font script="Tale" typeface="Microsoft Tai Le"/>
+        <a:font script="Talu" typeface="Microsoft New Tai Lue"/>
+        <a:font script="Tfng" typeface="Ebrima"/>
+      </a:majorFont>
+      <a:minorFont>
+        <a:latin typeface="Calibri" panose="020F0502020204030204"/>
+        <a:ea typeface=""/>
+        <a:cs typeface=""/>
+        <a:font script="Jpan" typeface="游ゴシック"/>
+        <a:font script="Hang" typeface="맑은 고딕"/>
+        <a:font script="Hans" typeface="等线"/>
+        <a:font script="Hant" typeface="新細明體"/>
+        <a:font script="Arab" typeface="Arial"/>
+        <a:font script="Hebr" typeface="Arial"/>
+        <a:font script="Thai" typeface="Cordia New"/>
+        <a:font script="Ethi" typeface="Nyala"/>
+        <a:font script="Beng" typeface="Vrinda"/>
+        <a:font script="Gujr" typeface="Shruti"/>
+        <a:font script="Khmr" typeface="DaunPenh"/>
+        <a:font script="Knda" typeface="Tunga"/>
+        <a:font script="Guru" typeface="Raavi"/>
+        <a:font script="Cans" typeface="Euphemia"/>
+        <a:font script="Cher" typeface="Plantagenet Cherokee"/>
+        <a:font script="Yiii" typeface="Microsoft Yi Baiti"/>
+        <a:font script="Tibt" typeface="Microsoft Himalaya"/>
+        <a:font script="Thaa" typeface="MV Boli"/>
+        <a:font script="Deva" typeface="Mangal"/>
+        <a:font script="Telu" typeface="Gautami"/>
+        <a:font script="Taml" typeface="Latha"/>
+        <a:font script="Syrc" typeface="Estrangelo Edessa"/>
+        <a:font script="Orya" typeface="Kalinga"/>
+        <a:font script="Mlym" typeface="Kartika"/>
+        <a:font script="Laoo" typeface="DokChampa"/>
+        <a:font script="Sinh" typeface="Iskoola Pota"/>
+        <a:font script="Mong" typeface="Mongolian Baiti"/>
+        <a:font script="Viet" typeface="Arial"/>
+        <a:font script="Uigh" typeface="Microsoft Uighur"/>
+        <a:font script="Geor" typeface="Sylfaen"/>
+        <a:font script="Armn" typeface="Arial"/>
+        <a:font script="Bugi" typeface="Leelawadee UI"/>
+        <a:font script="Bopo" typeface="Microsoft JhengHei"/>
+        <a:font script="Java" typeface="Javanese Text"/>
+        <a:font script="Lisu" typeface="Segoe UI"/>
+        <a:font script="Mymr" typeface="Myanmar Text"/>
+        <a:font script="Nkoo" typeface="Ebrima"/>
+        <a:font script="Olck" typeface="Nirmala UI"/>
+        <a:font script="Osma" typeface="Ebrima"/>
+        <a:font script="Phag" typeface="Phagspa"/>
+        <a:font script="Syrn" typeface="Estrangelo Edessa"/>
+        <a:font script="Syrj" typeface="Estrangelo Edessa"/>
+        <a:font script="Syre" typeface="Estrangelo Edessa"/>
+        <a:font script="Sora" typeface="Nirmala UI"/>
+        <a:font script="Tale" typeface="Microsoft Tai Le"/>
+        <a:font script="Talu" typeface="Microsoft New Tai Lue"/>
+        <a:font script="Tfng" typeface="Ebrima"/>
+      </a:minorFont>
+    </a:fontScheme>
+    <a:fmtScheme name="Office">
+      <a:fillStyleLst>
+        <a:solidFill>
+          <a:schemeClr val="phClr"/>
+        </a:solidFill>
+        <a:gradFill rotWithShape="1">
+          <a:gsLst>
+            <a:gs pos="0">
+              <a:schemeClr val="phClr">
+                <a:lumMod val="110000"/>
+                <a:satMod val="105000"/>
+                <a:tint val="67000"/>
+              </a:schemeClr>
+            </a:gs>
+            <a:gs pos="50000">
+              <a:schemeClr val="phClr">
+                <a:lumMod val="105000"/>
+                <a:satMod val="103000"/>
+                <a:tint val="73000"/>
+              </a:schemeClr>
+            </a:gs>
+            <a:gs pos="100000">
+              <a:schemeClr val="phClr">
+                <a:lumMod val="105000"/>
+                <a:satMod val="109000"/>
+                <a:tint val="81000"/>
+              </a:schemeClr>
+            </a:gs>
+          </a:gsLst>
+          <a:lin ang="5400000" scaled="0"/>
+        </a:gradFill>
+        <a:gradFill rotWithShape="1">
+          <a:gsLst>
+            <a:gs pos="0">
+              <a:schemeClr val="phClr">
+                <a:satMod val="103000"/>
+                <a:lumMod val="102000"/>
+                <a:tint val="94000"/>
+              </a:schemeClr>
+            </a:gs>
+            <a:gs pos="50000">
+              <a:schemeClr val="phClr">
+                <a:satMod val="110000"/>
+                <a:lumMod val="100000"/>
+                <a:shade val="100000"/>
+              </a:schemeClr>
+            </a:gs>
+            <a:gs pos="100000">
+              <a:schemeClr val="phClr">
+                <a:lumMod val="99000"/>
+                <a:satMod val="120000"/>
+                <a:shade val="78000"/>
+              </a:schemeClr>
+            </a:gs>
+          </a:gsLst>
+          <a:lin ang="5400000" scaled="0"/>
+        </a:gradFill>
+      </a:fillStyleLst>
+      <a:lnStyleLst>
+        <a:ln w="6350" cap="flat" cmpd="sng" algn="ctr">
+          <a:solidFill>
+            <a:schemeClr val="phClr"/>
+          </a:solidFill>
+          <a:prstDash val="solid"/>
+          <a:miter lim="800000"/>
+        </a:ln>
+        <a:ln w="12700" cap="flat" cmpd="sng" algn="ctr">
+          <a:solidFill>
+            <a:schemeClr val="phClr"/>
+          </a:solidFill>
+          <a:prstDash val="solid"/>
+          <a:miter lim="800000"/>
+        </a:ln>
+        <a:ln w="19050" cap="flat" cmpd="sng" algn="ctr">
+          <a:solidFill>
+            <a:schemeClr val="phClr"/>
+          </a:solidFill>
+          <a:prstDash val="solid"/>
+          <a:miter lim="800000"/>
+        </a:ln>
+      </a:lnStyleLst>
+      <a:effectStyleLst>
+        <a:effectStyle>
+          <a:effectLst/>
+        </a:effectStyle>
+        <a:effectStyle>
+          <a:effectLst/>
+        </a:effectStyle>
+        <a:effectStyle>
+          <a:effectLst>
+            <a:outerShdw blurRad="57150" dist="19050" dir="5400000" algn="ctr" rotWithShape="0">
+              <a:srgbClr val="000000">
+                <a:alpha val="63000"/>
+              </a:srgbClr>
+            </a:outerShdw>
+          </a:effectLst>
+        </a:effectStyle>
+      </a:effectStyleLst>
+      <a:bgFillStyleLst>
+        <a:solidFill>
+          <a:schemeClr val="phClr"/>
+        </a:solidFill>
+        <a:solidFill>
+          <a:schemeClr val="phClr">
+            <a:tint val="95000"/>
+            <a:satMod val="170000"/>
+          </a:schemeClr>
+        </a:solidFill>
+        <a:gradFill rotWithShape="1">
+          <a:gsLst>
+            <a:gs pos="0">
+              <a:schemeClr val="phClr">
+                <a:tint val="93000"/>
+                <a:satMod val="150000"/>
+                <a:shade val="98000"/>
+                <a:lumMod val="102000"/>
+              </a:schemeClr>
+            </a:gs>
+            <a:gs pos="50000">
+              <a:schemeClr val="phClr">
+                <a:tint val="98000"/>
+                <a:satMod val="130000"/>
+                <a:shade val="90000"/>
+                <a:lumMod val="103000"/>
+              </a:schemeClr>
+            </a:gs>
+            <a:gs pos="100000">
+              <a:schemeClr val="phClr">
+                <a:shade val="63000"/>
+                <a:satMod val="120000"/>
+              </a:schemeClr>
+            </a:gs>
+          </a:gsLst>
+          <a:lin ang="5400000" scaled="0"/>
+        </a:gradFill>
+      </a:bgFillStyleLst>
+    </a:fmtScheme>
+  </a:themeElements>
+  <a:objectDefaults/>
+  <a:extraClrSchemeLst/>
+  <a:extLst>
+    <a:ext uri="{05A4C25C-085E-4340-85A3-A5531E510DB2}">
+      <thm15:themeFamily xmlns:thm15="http://schemas.microsoft.com/office/thememl/2012/main" name="Office Theme" id="{62F939B6-93AF-4DB8-9C6B-D6C7DFDC589F}" vid="{4A3C46E8-61CC-4603-A589-7422A47A8E4A}"/>
+    </a:ext>
+  </a:extLst>
+</a:theme>
 </file>